--- a/프레젠테이션1.pptx
+++ b/프레젠테이션1.pptx
@@ -10,6 +10,7 @@
     <p:sldId id="259" r:id="rId4"/>
     <p:sldId id="258" r:id="rId5"/>
     <p:sldId id="260" r:id="rId6"/>
+    <p:sldId id="261" r:id="rId7"/>
   </p:sldIdLst>
   <p:sldSz cx="12192000" cy="6858000"/>
   <p:notesSz cx="6858000" cy="9144000"/>
@@ -108,6 +109,11 @@
       </a:defRPr>
     </a:lvl9pPr>
   </p:defaultTextStyle>
+  <p:extLst>
+    <p:ext uri="{EFAFB233-063F-42B5-8137-9DF3F51BA10A}">
+      <p15:sldGuideLst xmlns:p15="http://schemas.microsoft.com/office/powerpoint/2012/main"/>
+    </p:ext>
+  </p:extLst>
 </p:presentation>
 </file>
 
@@ -242,7 +248,7 @@
           <a:p>
             <a:fld id="{E7C4CD3D-B0DA-4C40-B2D8-01C9BA06E850}" type="datetimeFigureOut">
               <a:rPr lang="ko-KR" altLang="en-US" smtClean="0"/>
-              <a:t>2023-04-19</a:t>
+              <a:t>2023-04-20</a:t>
             </a:fld>
             <a:endParaRPr lang="ko-KR" altLang="en-US"/>
           </a:p>
@@ -412,7 +418,7 @@
           <a:p>
             <a:fld id="{E7C4CD3D-B0DA-4C40-B2D8-01C9BA06E850}" type="datetimeFigureOut">
               <a:rPr lang="ko-KR" altLang="en-US" smtClean="0"/>
-              <a:t>2023-04-19</a:t>
+              <a:t>2023-04-20</a:t>
             </a:fld>
             <a:endParaRPr lang="ko-KR" altLang="en-US"/>
           </a:p>
@@ -592,7 +598,7 @@
           <a:p>
             <a:fld id="{E7C4CD3D-B0DA-4C40-B2D8-01C9BA06E850}" type="datetimeFigureOut">
               <a:rPr lang="ko-KR" altLang="en-US" smtClean="0"/>
-              <a:t>2023-04-19</a:t>
+              <a:t>2023-04-20</a:t>
             </a:fld>
             <a:endParaRPr lang="ko-KR" altLang="en-US"/>
           </a:p>
@@ -762,7 +768,7 @@
           <a:p>
             <a:fld id="{E7C4CD3D-B0DA-4C40-B2D8-01C9BA06E850}" type="datetimeFigureOut">
               <a:rPr lang="ko-KR" altLang="en-US" smtClean="0"/>
-              <a:t>2023-04-19</a:t>
+              <a:t>2023-04-20</a:t>
             </a:fld>
             <a:endParaRPr lang="ko-KR" altLang="en-US"/>
           </a:p>
@@ -1008,7 +1014,7 @@
           <a:p>
             <a:fld id="{E7C4CD3D-B0DA-4C40-B2D8-01C9BA06E850}" type="datetimeFigureOut">
               <a:rPr lang="ko-KR" altLang="en-US" smtClean="0"/>
-              <a:t>2023-04-19</a:t>
+              <a:t>2023-04-20</a:t>
             </a:fld>
             <a:endParaRPr lang="ko-KR" altLang="en-US"/>
           </a:p>
@@ -1240,7 +1246,7 @@
           <a:p>
             <a:fld id="{E7C4CD3D-B0DA-4C40-B2D8-01C9BA06E850}" type="datetimeFigureOut">
               <a:rPr lang="ko-KR" altLang="en-US" smtClean="0"/>
-              <a:t>2023-04-19</a:t>
+              <a:t>2023-04-20</a:t>
             </a:fld>
             <a:endParaRPr lang="ko-KR" altLang="en-US"/>
           </a:p>
@@ -1607,7 +1613,7 @@
           <a:p>
             <a:fld id="{E7C4CD3D-B0DA-4C40-B2D8-01C9BA06E850}" type="datetimeFigureOut">
               <a:rPr lang="ko-KR" altLang="en-US" smtClean="0"/>
-              <a:t>2023-04-19</a:t>
+              <a:t>2023-04-20</a:t>
             </a:fld>
             <a:endParaRPr lang="ko-KR" altLang="en-US"/>
           </a:p>
@@ -1725,7 +1731,7 @@
           <a:p>
             <a:fld id="{E7C4CD3D-B0DA-4C40-B2D8-01C9BA06E850}" type="datetimeFigureOut">
               <a:rPr lang="ko-KR" altLang="en-US" smtClean="0"/>
-              <a:t>2023-04-19</a:t>
+              <a:t>2023-04-20</a:t>
             </a:fld>
             <a:endParaRPr lang="ko-KR" altLang="en-US"/>
           </a:p>
@@ -1820,7 +1826,7 @@
           <a:p>
             <a:fld id="{E7C4CD3D-B0DA-4C40-B2D8-01C9BA06E850}" type="datetimeFigureOut">
               <a:rPr lang="ko-KR" altLang="en-US" smtClean="0"/>
-              <a:t>2023-04-19</a:t>
+              <a:t>2023-04-20</a:t>
             </a:fld>
             <a:endParaRPr lang="ko-KR" altLang="en-US"/>
           </a:p>
@@ -2097,7 +2103,7 @@
           <a:p>
             <a:fld id="{E7C4CD3D-B0DA-4C40-B2D8-01C9BA06E850}" type="datetimeFigureOut">
               <a:rPr lang="ko-KR" altLang="en-US" smtClean="0"/>
-              <a:t>2023-04-19</a:t>
+              <a:t>2023-04-20</a:t>
             </a:fld>
             <a:endParaRPr lang="ko-KR" altLang="en-US"/>
           </a:p>
@@ -2350,7 +2356,7 @@
           <a:p>
             <a:fld id="{E7C4CD3D-B0DA-4C40-B2D8-01C9BA06E850}" type="datetimeFigureOut">
               <a:rPr lang="ko-KR" altLang="en-US" smtClean="0"/>
-              <a:t>2023-04-19</a:t>
+              <a:t>2023-04-20</a:t>
             </a:fld>
             <a:endParaRPr lang="ko-KR" altLang="en-US"/>
           </a:p>
@@ -2563,7 +2569,7 @@
           <a:p>
             <a:fld id="{E7C4CD3D-B0DA-4C40-B2D8-01C9BA06E850}" type="datetimeFigureOut">
               <a:rPr lang="ko-KR" altLang="en-US" smtClean="0"/>
-              <a:t>2023-04-19</a:t>
+              <a:t>2023-04-20</a:t>
             </a:fld>
             <a:endParaRPr lang="ko-KR" altLang="en-US"/>
           </a:p>
@@ -8190,6 +8196,13 @@
   <p:clrMapOvr>
     <a:masterClrMapping/>
   </p:clrMapOvr>
+  <p:timing>
+    <p:tnLst>
+      <p:par>
+        <p:cTn id="1" dur="indefinite" restart="never" nodeType="tmRoot"/>
+      </p:par>
+    </p:tnLst>
+  </p:timing>
 </p:sld>
 </file>
 
@@ -8210,10 +8223,3336 @@
           <a:chExt cx="0" cy="0"/>
         </a:xfrm>
       </p:grpSpPr>
+      <p:graphicFrame>
+        <p:nvGraphicFramePr>
+          <p:cNvPr id="3" name="표 2"/>
+          <p:cNvGraphicFramePr>
+            <a:graphicFrameLocks noGrp="1"/>
+          </p:cNvGraphicFramePr>
+          <p:nvPr>
+            <p:extLst>
+              <p:ext uri="{D42A27DB-BD31-4B8C-83A1-F6EECF244321}">
+                <p14:modId xmlns:p14="http://schemas.microsoft.com/office/powerpoint/2010/main" val="1264335975"/>
+              </p:ext>
+            </p:extLst>
+          </p:nvPr>
+        </p:nvGraphicFramePr>
+        <p:xfrm>
+          <a:off x="8737600" y="300566"/>
+          <a:ext cx="3314700" cy="2142915"/>
+        </p:xfrm>
+        <a:graphic>
+          <a:graphicData uri="http://schemas.openxmlformats.org/drawingml/2006/table">
+            <a:tbl>
+              <a:tblPr firstRow="1" bandRow="1">
+                <a:tableStyleId>{5C22544A-7EE6-4342-B048-85BDC9FD1C3A}</a:tableStyleId>
+              </a:tblPr>
+              <a:tblGrid>
+                <a:gridCol w="1206500">
+                  <a:extLst>
+                    <a:ext uri="{9D8B030D-6E8A-4147-A177-3AD203B41FA5}">
+                      <a16:colId xmlns:a16="http://schemas.microsoft.com/office/drawing/2014/main" val="2073897549"/>
+                    </a:ext>
+                  </a:extLst>
+                </a:gridCol>
+                <a:gridCol w="2108200">
+                  <a:extLst>
+                    <a:ext uri="{9D8B030D-6E8A-4147-A177-3AD203B41FA5}">
+                      <a16:colId xmlns:a16="http://schemas.microsoft.com/office/drawing/2014/main" val="674025358"/>
+                    </a:ext>
+                  </a:extLst>
+                </a:gridCol>
+              </a:tblGrid>
+              <a:tr h="428583">
+                <a:tc>
+                  <a:txBody>
+                    <a:bodyPr/>
+                    <a:lstStyle/>
+                    <a:p>
+                      <a:pPr latinLnBrk="1"/>
+                      <a:r>
+                        <a:rPr lang="ko-KR" altLang="en-US" sz="1400" b="0" dirty="0" smtClean="0">
+                          <a:solidFill>
+                            <a:sysClr val="windowText" lastClr="000000"/>
+                          </a:solidFill>
+                        </a:rPr>
+                        <a:t>페이지 명</a:t>
+                      </a:r>
+                      <a:endParaRPr lang="ko-KR" altLang="en-US" sz="1400" b="0" dirty="0">
+                        <a:solidFill>
+                          <a:sysClr val="windowText" lastClr="000000"/>
+                        </a:solidFill>
+                      </a:endParaRPr>
+                    </a:p>
+                  </a:txBody>
+                  <a:tcPr>
+                    <a:lnL w="12700" cap="flat" cmpd="sng" algn="ctr">
+                      <a:solidFill>
+                        <a:schemeClr val="tx1"/>
+                      </a:solidFill>
+                      <a:prstDash val="solid"/>
+                      <a:round/>
+                      <a:headEnd type="none" w="med" len="med"/>
+                      <a:tailEnd type="none" w="med" len="med"/>
+                    </a:lnL>
+                    <a:lnR w="12700" cap="flat" cmpd="sng" algn="ctr">
+                      <a:solidFill>
+                        <a:schemeClr val="tx1"/>
+                      </a:solidFill>
+                      <a:prstDash val="solid"/>
+                      <a:round/>
+                      <a:headEnd type="none" w="med" len="med"/>
+                      <a:tailEnd type="none" w="med" len="med"/>
+                    </a:lnR>
+                    <a:lnT w="12700" cap="flat" cmpd="sng" algn="ctr">
+                      <a:solidFill>
+                        <a:schemeClr val="tx1"/>
+                      </a:solidFill>
+                      <a:prstDash val="solid"/>
+                      <a:round/>
+                      <a:headEnd type="none" w="med" len="med"/>
+                      <a:tailEnd type="none" w="med" len="med"/>
+                    </a:lnT>
+                    <a:lnB w="12700" cap="flat" cmpd="sng" algn="ctr">
+                      <a:solidFill>
+                        <a:schemeClr val="tx1"/>
+                      </a:solidFill>
+                      <a:prstDash val="solid"/>
+                      <a:round/>
+                      <a:headEnd type="none" w="med" len="med"/>
+                      <a:tailEnd type="none" w="med" len="med"/>
+                    </a:lnB>
+                    <a:lnTlToBr w="12700" cmpd="sng">
+                      <a:noFill/>
+                      <a:prstDash val="solid"/>
+                    </a:lnTlToBr>
+                    <a:lnBlToTr w="12700" cmpd="sng">
+                      <a:noFill/>
+                      <a:prstDash val="solid"/>
+                    </a:lnBlToTr>
+                    <a:solidFill>
+                      <a:schemeClr val="bg1">
+                        <a:lumMod val="65000"/>
+                      </a:schemeClr>
+                    </a:solidFill>
+                  </a:tcPr>
+                </a:tc>
+                <a:tc>
+                  <a:txBody>
+                    <a:bodyPr/>
+                    <a:lstStyle/>
+                    <a:p>
+                      <a:pPr latinLnBrk="1"/>
+                      <a:r>
+                        <a:rPr lang="en-US" altLang="ko-KR" sz="1400" b="0" dirty="0" smtClean="0">
+                          <a:solidFill>
+                            <a:sysClr val="windowText" lastClr="000000"/>
+                          </a:solidFill>
+                        </a:rPr>
+                        <a:t>About</a:t>
+                      </a:r>
+                      <a:r>
+                        <a:rPr lang="en-US" altLang="ko-KR" sz="1400" b="0" baseline="0" dirty="0" smtClean="0">
+                          <a:solidFill>
+                            <a:sysClr val="windowText" lastClr="000000"/>
+                          </a:solidFill>
+                        </a:rPr>
+                        <a:t> </a:t>
+                      </a:r>
+                      <a:r>
+                        <a:rPr lang="ko-KR" altLang="en-US" sz="1400" b="0" baseline="0" dirty="0" smtClean="0">
+                          <a:solidFill>
+                            <a:sysClr val="windowText" lastClr="000000"/>
+                          </a:solidFill>
+                        </a:rPr>
+                        <a:t>화면</a:t>
+                      </a:r>
+                      <a:endParaRPr lang="ko-KR" altLang="en-US" sz="1400" b="0" dirty="0">
+                        <a:solidFill>
+                          <a:sysClr val="windowText" lastClr="000000"/>
+                        </a:solidFill>
+                      </a:endParaRPr>
+                    </a:p>
+                  </a:txBody>
+                  <a:tcPr>
+                    <a:lnL w="12700" cap="flat" cmpd="sng" algn="ctr">
+                      <a:solidFill>
+                        <a:schemeClr val="tx1"/>
+                      </a:solidFill>
+                      <a:prstDash val="solid"/>
+                      <a:round/>
+                      <a:headEnd type="none" w="med" len="med"/>
+                      <a:tailEnd type="none" w="med" len="med"/>
+                    </a:lnL>
+                    <a:lnR w="12700" cap="flat" cmpd="sng" algn="ctr">
+                      <a:solidFill>
+                        <a:schemeClr val="tx1"/>
+                      </a:solidFill>
+                      <a:prstDash val="solid"/>
+                      <a:round/>
+                      <a:headEnd type="none" w="med" len="med"/>
+                      <a:tailEnd type="none" w="med" len="med"/>
+                    </a:lnR>
+                    <a:lnT w="12700" cap="flat" cmpd="sng" algn="ctr">
+                      <a:solidFill>
+                        <a:schemeClr val="tx1"/>
+                      </a:solidFill>
+                      <a:prstDash val="solid"/>
+                      <a:round/>
+                      <a:headEnd type="none" w="med" len="med"/>
+                      <a:tailEnd type="none" w="med" len="med"/>
+                    </a:lnT>
+                    <a:lnB w="12700" cap="flat" cmpd="sng" algn="ctr">
+                      <a:solidFill>
+                        <a:schemeClr val="tx1"/>
+                      </a:solidFill>
+                      <a:prstDash val="solid"/>
+                      <a:round/>
+                      <a:headEnd type="none" w="med" len="med"/>
+                      <a:tailEnd type="none" w="med" len="med"/>
+                    </a:lnB>
+                    <a:lnTlToBr w="12700" cmpd="sng">
+                      <a:noFill/>
+                      <a:prstDash val="solid"/>
+                    </a:lnTlToBr>
+                    <a:lnBlToTr w="12700" cmpd="sng">
+                      <a:noFill/>
+                      <a:prstDash val="solid"/>
+                    </a:lnBlToTr>
+                    <a:solidFill>
+                      <a:schemeClr val="bg1"/>
+                    </a:solidFill>
+                  </a:tcPr>
+                </a:tc>
+                <a:extLst>
+                  <a:ext uri="{0D108BD9-81ED-4DB2-BD59-A6C34878D82A}">
+                    <a16:rowId xmlns:a16="http://schemas.microsoft.com/office/drawing/2014/main" val="1559709450"/>
+                  </a:ext>
+                </a:extLst>
+              </a:tr>
+              <a:tr h="428583">
+                <a:tc>
+                  <a:txBody>
+                    <a:bodyPr/>
+                    <a:lstStyle/>
+                    <a:p>
+                      <a:pPr latinLnBrk="1"/>
+                      <a:r>
+                        <a:rPr lang="ko-KR" altLang="en-US" sz="1400" b="0" dirty="0" smtClean="0">
+                          <a:solidFill>
+                            <a:sysClr val="windowText" lastClr="000000"/>
+                          </a:solidFill>
+                        </a:rPr>
+                        <a:t>페이지 번호</a:t>
+                      </a:r>
+                      <a:endParaRPr lang="ko-KR" altLang="en-US" sz="1400" b="0" dirty="0">
+                        <a:solidFill>
+                          <a:sysClr val="windowText" lastClr="000000"/>
+                        </a:solidFill>
+                      </a:endParaRPr>
+                    </a:p>
+                  </a:txBody>
+                  <a:tcPr>
+                    <a:lnL w="12700" cap="flat" cmpd="sng" algn="ctr">
+                      <a:solidFill>
+                        <a:schemeClr val="tx1"/>
+                      </a:solidFill>
+                      <a:prstDash val="solid"/>
+                      <a:round/>
+                      <a:headEnd type="none" w="med" len="med"/>
+                      <a:tailEnd type="none" w="med" len="med"/>
+                    </a:lnL>
+                    <a:lnR w="12700" cap="flat" cmpd="sng" algn="ctr">
+                      <a:solidFill>
+                        <a:schemeClr val="tx1"/>
+                      </a:solidFill>
+                      <a:prstDash val="solid"/>
+                      <a:round/>
+                      <a:headEnd type="none" w="med" len="med"/>
+                      <a:tailEnd type="none" w="med" len="med"/>
+                    </a:lnR>
+                    <a:lnT w="12700" cap="flat" cmpd="sng" algn="ctr">
+                      <a:solidFill>
+                        <a:schemeClr val="tx1"/>
+                      </a:solidFill>
+                      <a:prstDash val="solid"/>
+                      <a:round/>
+                      <a:headEnd type="none" w="med" len="med"/>
+                      <a:tailEnd type="none" w="med" len="med"/>
+                    </a:lnT>
+                    <a:lnB w="12700" cap="flat" cmpd="sng" algn="ctr">
+                      <a:solidFill>
+                        <a:schemeClr val="tx1"/>
+                      </a:solidFill>
+                      <a:prstDash val="solid"/>
+                      <a:round/>
+                      <a:headEnd type="none" w="med" len="med"/>
+                      <a:tailEnd type="none" w="med" len="med"/>
+                    </a:lnB>
+                    <a:lnTlToBr w="12700" cmpd="sng">
+                      <a:noFill/>
+                      <a:prstDash val="solid"/>
+                    </a:lnTlToBr>
+                    <a:lnBlToTr w="12700" cmpd="sng">
+                      <a:noFill/>
+                      <a:prstDash val="solid"/>
+                    </a:lnBlToTr>
+                    <a:solidFill>
+                      <a:schemeClr val="bg1">
+                        <a:lumMod val="65000"/>
+                      </a:schemeClr>
+                    </a:solidFill>
+                  </a:tcPr>
+                </a:tc>
+                <a:tc>
+                  <a:txBody>
+                    <a:bodyPr/>
+                    <a:lstStyle/>
+                    <a:p>
+                      <a:pPr marL="0" marR="0" indent="0" algn="l" defTabSz="914400" rtl="0" eaLnBrk="1" fontAlgn="auto" latinLnBrk="1" hangingPunct="1">
+                        <a:lnSpc>
+                          <a:spcPct val="100000"/>
+                        </a:lnSpc>
+                        <a:spcBef>
+                          <a:spcPts val="0"/>
+                        </a:spcBef>
+                        <a:spcAft>
+                          <a:spcPts val="0"/>
+                        </a:spcAft>
+                        <a:buClrTx/>
+                        <a:buSzTx/>
+                        <a:buFontTx/>
+                        <a:buNone/>
+                        <a:tabLst/>
+                        <a:defRPr/>
+                      </a:pPr>
+                      <a:r>
+                        <a:rPr lang="en-US" altLang="ko-KR" sz="1400" b="0" dirty="0" smtClean="0">
+                          <a:solidFill>
+                            <a:sysClr val="windowText" lastClr="000000"/>
+                          </a:solidFill>
+                        </a:rPr>
+                        <a:t>CS-M-1001</a:t>
+                      </a:r>
+                      <a:endParaRPr lang="ko-KR" altLang="en-US" sz="1400" b="0" dirty="0" smtClean="0">
+                        <a:solidFill>
+                          <a:sysClr val="windowText" lastClr="000000"/>
+                        </a:solidFill>
+                      </a:endParaRPr>
+                    </a:p>
+                  </a:txBody>
+                  <a:tcPr>
+                    <a:lnL w="12700" cap="flat" cmpd="sng" algn="ctr">
+                      <a:solidFill>
+                        <a:schemeClr val="tx1"/>
+                      </a:solidFill>
+                      <a:prstDash val="solid"/>
+                      <a:round/>
+                      <a:headEnd type="none" w="med" len="med"/>
+                      <a:tailEnd type="none" w="med" len="med"/>
+                    </a:lnL>
+                    <a:lnR w="12700" cap="flat" cmpd="sng" algn="ctr">
+                      <a:solidFill>
+                        <a:schemeClr val="tx1"/>
+                      </a:solidFill>
+                      <a:prstDash val="solid"/>
+                      <a:round/>
+                      <a:headEnd type="none" w="med" len="med"/>
+                      <a:tailEnd type="none" w="med" len="med"/>
+                    </a:lnR>
+                    <a:lnT w="12700" cap="flat" cmpd="sng" algn="ctr">
+                      <a:solidFill>
+                        <a:schemeClr val="tx1"/>
+                      </a:solidFill>
+                      <a:prstDash val="solid"/>
+                      <a:round/>
+                      <a:headEnd type="none" w="med" len="med"/>
+                      <a:tailEnd type="none" w="med" len="med"/>
+                    </a:lnT>
+                    <a:lnB w="12700" cap="flat" cmpd="sng" algn="ctr">
+                      <a:solidFill>
+                        <a:schemeClr val="tx1"/>
+                      </a:solidFill>
+                      <a:prstDash val="solid"/>
+                      <a:round/>
+                      <a:headEnd type="none" w="med" len="med"/>
+                      <a:tailEnd type="none" w="med" len="med"/>
+                    </a:lnB>
+                    <a:lnTlToBr w="12700" cmpd="sng">
+                      <a:noFill/>
+                      <a:prstDash val="solid"/>
+                    </a:lnTlToBr>
+                    <a:lnBlToTr w="12700" cmpd="sng">
+                      <a:noFill/>
+                      <a:prstDash val="solid"/>
+                    </a:lnBlToTr>
+                    <a:solidFill>
+                      <a:schemeClr val="bg1"/>
+                    </a:solidFill>
+                  </a:tcPr>
+                </a:tc>
+                <a:extLst>
+                  <a:ext uri="{0D108BD9-81ED-4DB2-BD59-A6C34878D82A}">
+                    <a16:rowId xmlns:a16="http://schemas.microsoft.com/office/drawing/2014/main" val="3219437289"/>
+                  </a:ext>
+                </a:extLst>
+              </a:tr>
+              <a:tr h="428583">
+                <a:tc>
+                  <a:txBody>
+                    <a:bodyPr/>
+                    <a:lstStyle/>
+                    <a:p>
+                      <a:pPr latinLnBrk="1"/>
+                      <a:r>
+                        <a:rPr lang="ko-KR" altLang="en-US" sz="1400" b="0" dirty="0" smtClean="0">
+                          <a:solidFill>
+                            <a:sysClr val="windowText" lastClr="000000"/>
+                          </a:solidFill>
+                        </a:rPr>
+                        <a:t>작성자</a:t>
+                      </a:r>
+                      <a:endParaRPr lang="ko-KR" altLang="en-US" sz="1400" b="0" dirty="0">
+                        <a:solidFill>
+                          <a:sysClr val="windowText" lastClr="000000"/>
+                        </a:solidFill>
+                      </a:endParaRPr>
+                    </a:p>
+                  </a:txBody>
+                  <a:tcPr>
+                    <a:lnL w="12700" cap="flat" cmpd="sng" algn="ctr">
+                      <a:solidFill>
+                        <a:schemeClr val="tx1"/>
+                      </a:solidFill>
+                      <a:prstDash val="solid"/>
+                      <a:round/>
+                      <a:headEnd type="none" w="med" len="med"/>
+                      <a:tailEnd type="none" w="med" len="med"/>
+                    </a:lnL>
+                    <a:lnR w="12700" cap="flat" cmpd="sng" algn="ctr">
+                      <a:solidFill>
+                        <a:schemeClr val="tx1"/>
+                      </a:solidFill>
+                      <a:prstDash val="solid"/>
+                      <a:round/>
+                      <a:headEnd type="none" w="med" len="med"/>
+                      <a:tailEnd type="none" w="med" len="med"/>
+                    </a:lnR>
+                    <a:lnT w="12700" cap="flat" cmpd="sng" algn="ctr">
+                      <a:solidFill>
+                        <a:schemeClr val="tx1"/>
+                      </a:solidFill>
+                      <a:prstDash val="solid"/>
+                      <a:round/>
+                      <a:headEnd type="none" w="med" len="med"/>
+                      <a:tailEnd type="none" w="med" len="med"/>
+                    </a:lnT>
+                    <a:lnB w="12700" cap="flat" cmpd="sng" algn="ctr">
+                      <a:solidFill>
+                        <a:schemeClr val="tx1"/>
+                      </a:solidFill>
+                      <a:prstDash val="solid"/>
+                      <a:round/>
+                      <a:headEnd type="none" w="med" len="med"/>
+                      <a:tailEnd type="none" w="med" len="med"/>
+                    </a:lnB>
+                    <a:lnTlToBr w="12700" cmpd="sng">
+                      <a:noFill/>
+                      <a:prstDash val="solid"/>
+                    </a:lnTlToBr>
+                    <a:lnBlToTr w="12700" cmpd="sng">
+                      <a:noFill/>
+                      <a:prstDash val="solid"/>
+                    </a:lnBlToTr>
+                    <a:solidFill>
+                      <a:schemeClr val="bg1">
+                        <a:lumMod val="65000"/>
+                      </a:schemeClr>
+                    </a:solidFill>
+                  </a:tcPr>
+                </a:tc>
+                <a:tc>
+                  <a:txBody>
+                    <a:bodyPr/>
+                    <a:lstStyle/>
+                    <a:p>
+                      <a:pPr latinLnBrk="1"/>
+                      <a:r>
+                        <a:rPr lang="ko-KR" altLang="en-US" sz="1400" b="0" dirty="0" smtClean="0">
+                          <a:solidFill>
+                            <a:sysClr val="windowText" lastClr="000000"/>
+                          </a:solidFill>
+                        </a:rPr>
+                        <a:t>정재원</a:t>
+                      </a:r>
+                      <a:endParaRPr lang="ko-KR" altLang="en-US" sz="1400" b="0" dirty="0">
+                        <a:solidFill>
+                          <a:sysClr val="windowText" lastClr="000000"/>
+                        </a:solidFill>
+                      </a:endParaRPr>
+                    </a:p>
+                  </a:txBody>
+                  <a:tcPr>
+                    <a:lnL w="12700" cap="flat" cmpd="sng" algn="ctr">
+                      <a:solidFill>
+                        <a:schemeClr val="tx1"/>
+                      </a:solidFill>
+                      <a:prstDash val="solid"/>
+                      <a:round/>
+                      <a:headEnd type="none" w="med" len="med"/>
+                      <a:tailEnd type="none" w="med" len="med"/>
+                    </a:lnL>
+                    <a:lnR w="12700" cap="flat" cmpd="sng" algn="ctr">
+                      <a:solidFill>
+                        <a:schemeClr val="tx1"/>
+                      </a:solidFill>
+                      <a:prstDash val="solid"/>
+                      <a:round/>
+                      <a:headEnd type="none" w="med" len="med"/>
+                      <a:tailEnd type="none" w="med" len="med"/>
+                    </a:lnR>
+                    <a:lnT w="12700" cap="flat" cmpd="sng" algn="ctr">
+                      <a:solidFill>
+                        <a:schemeClr val="tx1"/>
+                      </a:solidFill>
+                      <a:prstDash val="solid"/>
+                      <a:round/>
+                      <a:headEnd type="none" w="med" len="med"/>
+                      <a:tailEnd type="none" w="med" len="med"/>
+                    </a:lnT>
+                    <a:lnB w="12700" cap="flat" cmpd="sng" algn="ctr">
+                      <a:solidFill>
+                        <a:schemeClr val="tx1"/>
+                      </a:solidFill>
+                      <a:prstDash val="solid"/>
+                      <a:round/>
+                      <a:headEnd type="none" w="med" len="med"/>
+                      <a:tailEnd type="none" w="med" len="med"/>
+                    </a:lnB>
+                    <a:lnTlToBr w="12700" cmpd="sng">
+                      <a:noFill/>
+                      <a:prstDash val="solid"/>
+                    </a:lnTlToBr>
+                    <a:lnBlToTr w="12700" cmpd="sng">
+                      <a:noFill/>
+                      <a:prstDash val="solid"/>
+                    </a:lnBlToTr>
+                    <a:solidFill>
+                      <a:schemeClr val="bg1"/>
+                    </a:solidFill>
+                  </a:tcPr>
+                </a:tc>
+                <a:extLst>
+                  <a:ext uri="{0D108BD9-81ED-4DB2-BD59-A6C34878D82A}">
+                    <a16:rowId xmlns:a16="http://schemas.microsoft.com/office/drawing/2014/main" val="3400577217"/>
+                  </a:ext>
+                </a:extLst>
+              </a:tr>
+              <a:tr h="428583">
+                <a:tc>
+                  <a:txBody>
+                    <a:bodyPr/>
+                    <a:lstStyle/>
+                    <a:p>
+                      <a:pPr latinLnBrk="1"/>
+                      <a:r>
+                        <a:rPr lang="ko-KR" altLang="en-US" sz="1400" b="0" dirty="0" smtClean="0">
+                          <a:solidFill>
+                            <a:sysClr val="windowText" lastClr="000000"/>
+                          </a:solidFill>
+                        </a:rPr>
+                        <a:t>작성일</a:t>
+                      </a:r>
+                      <a:endParaRPr lang="ko-KR" altLang="en-US" sz="1400" b="0" dirty="0">
+                        <a:solidFill>
+                          <a:sysClr val="windowText" lastClr="000000"/>
+                        </a:solidFill>
+                      </a:endParaRPr>
+                    </a:p>
+                  </a:txBody>
+                  <a:tcPr>
+                    <a:lnL w="12700" cap="flat" cmpd="sng" algn="ctr">
+                      <a:solidFill>
+                        <a:schemeClr val="tx1"/>
+                      </a:solidFill>
+                      <a:prstDash val="solid"/>
+                      <a:round/>
+                      <a:headEnd type="none" w="med" len="med"/>
+                      <a:tailEnd type="none" w="med" len="med"/>
+                    </a:lnL>
+                    <a:lnR w="12700" cap="flat" cmpd="sng" algn="ctr">
+                      <a:solidFill>
+                        <a:schemeClr val="tx1"/>
+                      </a:solidFill>
+                      <a:prstDash val="solid"/>
+                      <a:round/>
+                      <a:headEnd type="none" w="med" len="med"/>
+                      <a:tailEnd type="none" w="med" len="med"/>
+                    </a:lnR>
+                    <a:lnT w="12700" cap="flat" cmpd="sng" algn="ctr">
+                      <a:solidFill>
+                        <a:schemeClr val="tx1"/>
+                      </a:solidFill>
+                      <a:prstDash val="solid"/>
+                      <a:round/>
+                      <a:headEnd type="none" w="med" len="med"/>
+                      <a:tailEnd type="none" w="med" len="med"/>
+                    </a:lnT>
+                    <a:lnB w="12700" cap="flat" cmpd="sng" algn="ctr">
+                      <a:solidFill>
+                        <a:schemeClr val="tx1"/>
+                      </a:solidFill>
+                      <a:prstDash val="solid"/>
+                      <a:round/>
+                      <a:headEnd type="none" w="med" len="med"/>
+                      <a:tailEnd type="none" w="med" len="med"/>
+                    </a:lnB>
+                    <a:lnTlToBr w="12700" cmpd="sng">
+                      <a:noFill/>
+                      <a:prstDash val="solid"/>
+                    </a:lnTlToBr>
+                    <a:lnBlToTr w="12700" cmpd="sng">
+                      <a:noFill/>
+                      <a:prstDash val="solid"/>
+                    </a:lnBlToTr>
+                    <a:solidFill>
+                      <a:schemeClr val="bg1">
+                        <a:lumMod val="65000"/>
+                      </a:schemeClr>
+                    </a:solidFill>
+                  </a:tcPr>
+                </a:tc>
+                <a:tc>
+                  <a:txBody>
+                    <a:bodyPr/>
+                    <a:lstStyle/>
+                    <a:p>
+                      <a:pPr latinLnBrk="1"/>
+                      <a:r>
+                        <a:rPr lang="en-US" altLang="ko-KR" sz="1400" b="0" dirty="0" smtClean="0">
+                          <a:solidFill>
+                            <a:sysClr val="windowText" lastClr="000000"/>
+                          </a:solidFill>
+                        </a:rPr>
+                        <a:t>2023.04.20</a:t>
+                      </a:r>
+                      <a:endParaRPr lang="ko-KR" altLang="en-US" sz="1400" b="0" dirty="0">
+                        <a:solidFill>
+                          <a:sysClr val="windowText" lastClr="000000"/>
+                        </a:solidFill>
+                      </a:endParaRPr>
+                    </a:p>
+                  </a:txBody>
+                  <a:tcPr>
+                    <a:lnL w="12700" cap="flat" cmpd="sng" algn="ctr">
+                      <a:solidFill>
+                        <a:schemeClr val="tx1"/>
+                      </a:solidFill>
+                      <a:prstDash val="solid"/>
+                      <a:round/>
+                      <a:headEnd type="none" w="med" len="med"/>
+                      <a:tailEnd type="none" w="med" len="med"/>
+                    </a:lnL>
+                    <a:lnR w="12700" cap="flat" cmpd="sng" algn="ctr">
+                      <a:solidFill>
+                        <a:schemeClr val="tx1"/>
+                      </a:solidFill>
+                      <a:prstDash val="solid"/>
+                      <a:round/>
+                      <a:headEnd type="none" w="med" len="med"/>
+                      <a:tailEnd type="none" w="med" len="med"/>
+                    </a:lnR>
+                    <a:lnT w="12700" cap="flat" cmpd="sng" algn="ctr">
+                      <a:solidFill>
+                        <a:schemeClr val="tx1"/>
+                      </a:solidFill>
+                      <a:prstDash val="solid"/>
+                      <a:round/>
+                      <a:headEnd type="none" w="med" len="med"/>
+                      <a:tailEnd type="none" w="med" len="med"/>
+                    </a:lnT>
+                    <a:lnB w="12700" cap="flat" cmpd="sng" algn="ctr">
+                      <a:solidFill>
+                        <a:schemeClr val="tx1"/>
+                      </a:solidFill>
+                      <a:prstDash val="solid"/>
+                      <a:round/>
+                      <a:headEnd type="none" w="med" len="med"/>
+                      <a:tailEnd type="none" w="med" len="med"/>
+                    </a:lnB>
+                    <a:lnTlToBr w="12700" cmpd="sng">
+                      <a:noFill/>
+                      <a:prstDash val="solid"/>
+                    </a:lnTlToBr>
+                    <a:lnBlToTr w="12700" cmpd="sng">
+                      <a:noFill/>
+                      <a:prstDash val="solid"/>
+                    </a:lnBlToTr>
+                    <a:solidFill>
+                      <a:schemeClr val="bg1"/>
+                    </a:solidFill>
+                  </a:tcPr>
+                </a:tc>
+                <a:extLst>
+                  <a:ext uri="{0D108BD9-81ED-4DB2-BD59-A6C34878D82A}">
+                    <a16:rowId xmlns:a16="http://schemas.microsoft.com/office/drawing/2014/main" val="4082661408"/>
+                  </a:ext>
+                </a:extLst>
+              </a:tr>
+              <a:tr h="428583">
+                <a:tc>
+                  <a:txBody>
+                    <a:bodyPr/>
+                    <a:lstStyle/>
+                    <a:p>
+                      <a:pPr latinLnBrk="1"/>
+                      <a:r>
+                        <a:rPr lang="ko-KR" altLang="en-US" sz="1400" b="0" dirty="0" smtClean="0">
+                          <a:solidFill>
+                            <a:sysClr val="windowText" lastClr="000000"/>
+                          </a:solidFill>
+                        </a:rPr>
+                        <a:t>페이지 실행</a:t>
+                      </a:r>
+                      <a:endParaRPr lang="ko-KR" altLang="en-US" sz="1400" b="0" dirty="0">
+                        <a:solidFill>
+                          <a:sysClr val="windowText" lastClr="000000"/>
+                        </a:solidFill>
+                      </a:endParaRPr>
+                    </a:p>
+                  </a:txBody>
+                  <a:tcPr>
+                    <a:lnL w="12700" cap="flat" cmpd="sng" algn="ctr">
+                      <a:solidFill>
+                        <a:schemeClr val="tx1"/>
+                      </a:solidFill>
+                      <a:prstDash val="solid"/>
+                      <a:round/>
+                      <a:headEnd type="none" w="med" len="med"/>
+                      <a:tailEnd type="none" w="med" len="med"/>
+                    </a:lnL>
+                    <a:lnR w="12700" cap="flat" cmpd="sng" algn="ctr">
+                      <a:solidFill>
+                        <a:schemeClr val="tx1"/>
+                      </a:solidFill>
+                      <a:prstDash val="solid"/>
+                      <a:round/>
+                      <a:headEnd type="none" w="med" len="med"/>
+                      <a:tailEnd type="none" w="med" len="med"/>
+                    </a:lnR>
+                    <a:lnT w="12700" cap="flat" cmpd="sng" algn="ctr">
+                      <a:solidFill>
+                        <a:schemeClr val="tx1"/>
+                      </a:solidFill>
+                      <a:prstDash val="solid"/>
+                      <a:round/>
+                      <a:headEnd type="none" w="med" len="med"/>
+                      <a:tailEnd type="none" w="med" len="med"/>
+                    </a:lnT>
+                    <a:lnB w="12700" cap="flat" cmpd="sng" algn="ctr">
+                      <a:solidFill>
+                        <a:schemeClr val="tx1"/>
+                      </a:solidFill>
+                      <a:prstDash val="solid"/>
+                      <a:round/>
+                      <a:headEnd type="none" w="med" len="med"/>
+                      <a:tailEnd type="none" w="med" len="med"/>
+                    </a:lnB>
+                    <a:lnTlToBr w="12700" cmpd="sng">
+                      <a:noFill/>
+                      <a:prstDash val="solid"/>
+                    </a:lnTlToBr>
+                    <a:lnBlToTr w="12700" cmpd="sng">
+                      <a:noFill/>
+                      <a:prstDash val="solid"/>
+                    </a:lnBlToTr>
+                    <a:solidFill>
+                      <a:schemeClr val="bg1">
+                        <a:lumMod val="65000"/>
+                      </a:schemeClr>
+                    </a:solidFill>
+                  </a:tcPr>
+                </a:tc>
+                <a:tc>
+                  <a:txBody>
+                    <a:bodyPr/>
+                    <a:lstStyle/>
+                    <a:p>
+                      <a:pPr latinLnBrk="1"/>
+                      <a:r>
+                        <a:rPr lang="en-US" altLang="ko-KR" sz="1400" b="0" dirty="0" smtClean="0">
+                          <a:solidFill>
+                            <a:sysClr val="windowText" lastClr="000000"/>
+                          </a:solidFill>
+                        </a:rPr>
+                        <a:t>About</a:t>
+                      </a:r>
+                      <a:endParaRPr lang="ko-KR" altLang="en-US" sz="1400" b="0" dirty="0">
+                        <a:solidFill>
+                          <a:sysClr val="windowText" lastClr="000000"/>
+                        </a:solidFill>
+                      </a:endParaRPr>
+                    </a:p>
+                  </a:txBody>
+                  <a:tcPr>
+                    <a:lnL w="12700" cap="flat" cmpd="sng" algn="ctr">
+                      <a:solidFill>
+                        <a:schemeClr val="tx1"/>
+                      </a:solidFill>
+                      <a:prstDash val="solid"/>
+                      <a:round/>
+                      <a:headEnd type="none" w="med" len="med"/>
+                      <a:tailEnd type="none" w="med" len="med"/>
+                    </a:lnL>
+                    <a:lnR w="12700" cap="flat" cmpd="sng" algn="ctr">
+                      <a:solidFill>
+                        <a:schemeClr val="tx1"/>
+                      </a:solidFill>
+                      <a:prstDash val="solid"/>
+                      <a:round/>
+                      <a:headEnd type="none" w="med" len="med"/>
+                      <a:tailEnd type="none" w="med" len="med"/>
+                    </a:lnR>
+                    <a:lnT w="12700" cap="flat" cmpd="sng" algn="ctr">
+                      <a:solidFill>
+                        <a:schemeClr val="tx1"/>
+                      </a:solidFill>
+                      <a:prstDash val="solid"/>
+                      <a:round/>
+                      <a:headEnd type="none" w="med" len="med"/>
+                      <a:tailEnd type="none" w="med" len="med"/>
+                    </a:lnT>
+                    <a:lnB w="12700" cap="flat" cmpd="sng" algn="ctr">
+                      <a:solidFill>
+                        <a:schemeClr val="tx1"/>
+                      </a:solidFill>
+                      <a:prstDash val="solid"/>
+                      <a:round/>
+                      <a:headEnd type="none" w="med" len="med"/>
+                      <a:tailEnd type="none" w="med" len="med"/>
+                    </a:lnB>
+                    <a:lnTlToBr w="12700" cmpd="sng">
+                      <a:noFill/>
+                      <a:prstDash val="solid"/>
+                    </a:lnTlToBr>
+                    <a:lnBlToTr w="12700" cmpd="sng">
+                      <a:noFill/>
+                      <a:prstDash val="solid"/>
+                    </a:lnBlToTr>
+                    <a:solidFill>
+                      <a:schemeClr val="bg1"/>
+                    </a:solidFill>
+                  </a:tcPr>
+                </a:tc>
+                <a:extLst>
+                  <a:ext uri="{0D108BD9-81ED-4DB2-BD59-A6C34878D82A}">
+                    <a16:rowId xmlns:a16="http://schemas.microsoft.com/office/drawing/2014/main" val="3231217448"/>
+                  </a:ext>
+                </a:extLst>
+              </a:tr>
+            </a:tbl>
+          </a:graphicData>
+        </a:graphic>
+      </p:graphicFrame>
+      <p:grpSp>
+        <p:nvGrpSpPr>
+          <p:cNvPr id="43" name="그룹 42"/>
+          <p:cNvGrpSpPr/>
+          <p:nvPr/>
+        </p:nvGrpSpPr>
+        <p:grpSpPr>
+          <a:xfrm>
+            <a:off x="2061556" y="300566"/>
+            <a:ext cx="6530458" cy="5884862"/>
+            <a:chOff x="2061556" y="300566"/>
+            <a:chExt cx="6530458" cy="5884862"/>
+          </a:xfrm>
+        </p:grpSpPr>
+        <p:pic>
+          <p:nvPicPr>
+            <p:cNvPr id="2" name="그림 1"/>
+            <p:cNvPicPr>
+              <a:picLocks noChangeAspect="1"/>
+            </p:cNvPicPr>
+            <p:nvPr/>
+          </p:nvPicPr>
+          <p:blipFill>
+            <a:blip r:embed="rId2"/>
+            <a:stretch>
+              <a:fillRect/>
+            </a:stretch>
+          </p:blipFill>
+          <p:spPr>
+            <a:xfrm>
+              <a:off x="2061556" y="300566"/>
+              <a:ext cx="6530458" cy="5884862"/>
+            </a:xfrm>
+            <a:prstGeom prst="rect">
+              <a:avLst/>
+            </a:prstGeom>
+          </p:spPr>
+        </p:pic>
+        <p:grpSp>
+          <p:nvGrpSpPr>
+            <p:cNvPr id="6" name="그룹 5"/>
+            <p:cNvGrpSpPr/>
+            <p:nvPr/>
+          </p:nvGrpSpPr>
+          <p:grpSpPr>
+            <a:xfrm>
+              <a:off x="7658713" y="386542"/>
+              <a:ext cx="521923" cy="536171"/>
+              <a:chOff x="7556269" y="353291"/>
+              <a:chExt cx="565266" cy="536171"/>
+            </a:xfrm>
+          </p:grpSpPr>
+          <p:sp>
+            <p:nvSpPr>
+              <p:cNvPr id="4" name="타원 3"/>
+              <p:cNvSpPr/>
+              <p:nvPr/>
+            </p:nvSpPr>
+            <p:spPr>
+              <a:xfrm>
+                <a:off x="7556269" y="440575"/>
+                <a:ext cx="565266" cy="448887"/>
+              </a:xfrm>
+              <a:prstGeom prst="ellipse">
+                <a:avLst/>
+              </a:prstGeom>
+              <a:noFill/>
+              <a:ln>
+                <a:solidFill>
+                  <a:schemeClr val="accent2"/>
+                </a:solidFill>
+              </a:ln>
+            </p:spPr>
+            <p:style>
+              <a:lnRef idx="2">
+                <a:schemeClr val="accent1">
+                  <a:shade val="50000"/>
+                </a:schemeClr>
+              </a:lnRef>
+              <a:fillRef idx="1">
+                <a:schemeClr val="accent1"/>
+              </a:fillRef>
+              <a:effectRef idx="0">
+                <a:schemeClr val="accent1"/>
+              </a:effectRef>
+              <a:fontRef idx="minor">
+                <a:schemeClr val="lt1"/>
+              </a:fontRef>
+            </p:style>
+            <p:txBody>
+              <a:bodyPr rtlCol="0" anchor="ctr"/>
+              <a:lstStyle/>
+              <a:p>
+                <a:pPr algn="ctr"/>
+                <a:endParaRPr lang="ko-KR" altLang="en-US"/>
+              </a:p>
+            </p:txBody>
+          </p:sp>
+          <p:sp>
+            <p:nvSpPr>
+              <p:cNvPr id="5" name="순서도: 연결자 4"/>
+              <p:cNvSpPr/>
+              <p:nvPr/>
+            </p:nvSpPr>
+            <p:spPr>
+              <a:xfrm>
+                <a:off x="7938655" y="353291"/>
+                <a:ext cx="182880" cy="174568"/>
+              </a:xfrm>
+              <a:prstGeom prst="flowChartConnector">
+                <a:avLst/>
+              </a:prstGeom>
+              <a:solidFill>
+                <a:schemeClr val="accent4">
+                  <a:lumMod val="20000"/>
+                  <a:lumOff val="80000"/>
+                </a:schemeClr>
+              </a:solidFill>
+              <a:ln>
+                <a:solidFill>
+                  <a:schemeClr val="accent2"/>
+                </a:solidFill>
+              </a:ln>
+            </p:spPr>
+            <p:style>
+              <a:lnRef idx="2">
+                <a:schemeClr val="accent1">
+                  <a:shade val="50000"/>
+                </a:schemeClr>
+              </a:lnRef>
+              <a:fillRef idx="1">
+                <a:schemeClr val="accent1"/>
+              </a:fillRef>
+              <a:effectRef idx="0">
+                <a:schemeClr val="accent1"/>
+              </a:effectRef>
+              <a:fontRef idx="minor">
+                <a:schemeClr val="lt1"/>
+              </a:fontRef>
+            </p:style>
+            <p:txBody>
+              <a:bodyPr rtlCol="0" anchor="ctr"/>
+              <a:lstStyle/>
+              <a:p>
+                <a:pPr algn="ctr"/>
+                <a:r>
+                  <a:rPr lang="en-US" altLang="ko-KR" sz="1000" b="1" dirty="0" smtClean="0">
+                    <a:solidFill>
+                      <a:schemeClr val="tx1"/>
+                    </a:solidFill>
+                  </a:rPr>
+                  <a:t>5</a:t>
+                </a:r>
+                <a:endParaRPr lang="ko-KR" altLang="en-US" sz="1000" b="1" dirty="0">
+                  <a:solidFill>
+                    <a:schemeClr val="tx1"/>
+                  </a:solidFill>
+                </a:endParaRPr>
+              </a:p>
+            </p:txBody>
+          </p:sp>
+        </p:grpSp>
+        <p:grpSp>
+          <p:nvGrpSpPr>
+            <p:cNvPr id="7" name="그룹 6"/>
+            <p:cNvGrpSpPr/>
+            <p:nvPr/>
+          </p:nvGrpSpPr>
+          <p:grpSpPr>
+            <a:xfrm>
+              <a:off x="4089683" y="361604"/>
+              <a:ext cx="521923" cy="536171"/>
+              <a:chOff x="7556269" y="353291"/>
+              <a:chExt cx="565266" cy="536171"/>
+            </a:xfrm>
+          </p:grpSpPr>
+          <p:sp>
+            <p:nvSpPr>
+              <p:cNvPr id="8" name="타원 7"/>
+              <p:cNvSpPr/>
+              <p:nvPr/>
+            </p:nvSpPr>
+            <p:spPr>
+              <a:xfrm>
+                <a:off x="7556269" y="440575"/>
+                <a:ext cx="565266" cy="448887"/>
+              </a:xfrm>
+              <a:prstGeom prst="ellipse">
+                <a:avLst/>
+              </a:prstGeom>
+              <a:noFill/>
+              <a:ln>
+                <a:solidFill>
+                  <a:schemeClr val="accent2"/>
+                </a:solidFill>
+              </a:ln>
+            </p:spPr>
+            <p:style>
+              <a:lnRef idx="2">
+                <a:schemeClr val="accent1">
+                  <a:shade val="50000"/>
+                </a:schemeClr>
+              </a:lnRef>
+              <a:fillRef idx="1">
+                <a:schemeClr val="accent1"/>
+              </a:fillRef>
+              <a:effectRef idx="0">
+                <a:schemeClr val="accent1"/>
+              </a:effectRef>
+              <a:fontRef idx="minor">
+                <a:schemeClr val="lt1"/>
+              </a:fontRef>
+            </p:style>
+            <p:txBody>
+              <a:bodyPr rtlCol="0" anchor="ctr"/>
+              <a:lstStyle/>
+              <a:p>
+                <a:pPr algn="ctr"/>
+                <a:endParaRPr lang="ko-KR" altLang="en-US"/>
+              </a:p>
+            </p:txBody>
+          </p:sp>
+          <p:sp>
+            <p:nvSpPr>
+              <p:cNvPr id="9" name="순서도: 연결자 8"/>
+              <p:cNvSpPr/>
+              <p:nvPr/>
+            </p:nvSpPr>
+            <p:spPr>
+              <a:xfrm>
+                <a:off x="7938655" y="353291"/>
+                <a:ext cx="182880" cy="174568"/>
+              </a:xfrm>
+              <a:prstGeom prst="flowChartConnector">
+                <a:avLst/>
+              </a:prstGeom>
+              <a:solidFill>
+                <a:schemeClr val="accent4">
+                  <a:lumMod val="20000"/>
+                  <a:lumOff val="80000"/>
+                </a:schemeClr>
+              </a:solidFill>
+              <a:ln>
+                <a:solidFill>
+                  <a:schemeClr val="accent2"/>
+                </a:solidFill>
+              </a:ln>
+            </p:spPr>
+            <p:style>
+              <a:lnRef idx="2">
+                <a:schemeClr val="accent1">
+                  <a:shade val="50000"/>
+                </a:schemeClr>
+              </a:lnRef>
+              <a:fillRef idx="1">
+                <a:schemeClr val="accent1"/>
+              </a:fillRef>
+              <a:effectRef idx="0">
+                <a:schemeClr val="accent1"/>
+              </a:effectRef>
+              <a:fontRef idx="minor">
+                <a:schemeClr val="lt1"/>
+              </a:fontRef>
+            </p:style>
+            <p:txBody>
+              <a:bodyPr rtlCol="0" anchor="ctr"/>
+              <a:lstStyle/>
+              <a:p>
+                <a:pPr algn="ctr"/>
+                <a:r>
+                  <a:rPr lang="en-US" altLang="ko-KR" sz="1000" b="1" dirty="0" smtClean="0">
+                    <a:solidFill>
+                      <a:schemeClr val="tx1"/>
+                    </a:solidFill>
+                  </a:rPr>
+                  <a:t>1</a:t>
+                </a:r>
+                <a:endParaRPr lang="ko-KR" altLang="en-US" b="1" dirty="0">
+                  <a:solidFill>
+                    <a:schemeClr val="tx1"/>
+                  </a:solidFill>
+                </a:endParaRPr>
+              </a:p>
+            </p:txBody>
+          </p:sp>
+        </p:grpSp>
+        <p:grpSp>
+          <p:nvGrpSpPr>
+            <p:cNvPr id="22" name="그룹 21"/>
+            <p:cNvGrpSpPr/>
+            <p:nvPr/>
+          </p:nvGrpSpPr>
+          <p:grpSpPr>
+            <a:xfrm>
+              <a:off x="5225634" y="361604"/>
+              <a:ext cx="521923" cy="536171"/>
+              <a:chOff x="7556269" y="353291"/>
+              <a:chExt cx="565266" cy="536171"/>
+            </a:xfrm>
+          </p:grpSpPr>
+          <p:sp>
+            <p:nvSpPr>
+              <p:cNvPr id="23" name="타원 22"/>
+              <p:cNvSpPr/>
+              <p:nvPr/>
+            </p:nvSpPr>
+            <p:spPr>
+              <a:xfrm>
+                <a:off x="7556269" y="440575"/>
+                <a:ext cx="565266" cy="448887"/>
+              </a:xfrm>
+              <a:prstGeom prst="ellipse">
+                <a:avLst/>
+              </a:prstGeom>
+              <a:noFill/>
+              <a:ln>
+                <a:solidFill>
+                  <a:schemeClr val="accent2"/>
+                </a:solidFill>
+              </a:ln>
+            </p:spPr>
+            <p:style>
+              <a:lnRef idx="2">
+                <a:schemeClr val="accent1">
+                  <a:shade val="50000"/>
+                </a:schemeClr>
+              </a:lnRef>
+              <a:fillRef idx="1">
+                <a:schemeClr val="accent1"/>
+              </a:fillRef>
+              <a:effectRef idx="0">
+                <a:schemeClr val="accent1"/>
+              </a:effectRef>
+              <a:fontRef idx="minor">
+                <a:schemeClr val="lt1"/>
+              </a:fontRef>
+            </p:style>
+            <p:txBody>
+              <a:bodyPr rtlCol="0" anchor="ctr"/>
+              <a:lstStyle/>
+              <a:p>
+                <a:pPr algn="ctr"/>
+                <a:endParaRPr lang="ko-KR" altLang="en-US"/>
+              </a:p>
+            </p:txBody>
+          </p:sp>
+          <p:sp>
+            <p:nvSpPr>
+              <p:cNvPr id="24" name="순서도: 연결자 23"/>
+              <p:cNvSpPr/>
+              <p:nvPr/>
+            </p:nvSpPr>
+            <p:spPr>
+              <a:xfrm>
+                <a:off x="7938655" y="353291"/>
+                <a:ext cx="182880" cy="174568"/>
+              </a:xfrm>
+              <a:prstGeom prst="flowChartConnector">
+                <a:avLst/>
+              </a:prstGeom>
+              <a:solidFill>
+                <a:schemeClr val="accent4">
+                  <a:lumMod val="20000"/>
+                  <a:lumOff val="80000"/>
+                </a:schemeClr>
+              </a:solidFill>
+              <a:ln>
+                <a:solidFill>
+                  <a:schemeClr val="accent2"/>
+                </a:solidFill>
+              </a:ln>
+            </p:spPr>
+            <p:style>
+              <a:lnRef idx="2">
+                <a:schemeClr val="accent1">
+                  <a:shade val="50000"/>
+                </a:schemeClr>
+              </a:lnRef>
+              <a:fillRef idx="1">
+                <a:schemeClr val="accent1"/>
+              </a:fillRef>
+              <a:effectRef idx="0">
+                <a:schemeClr val="accent1"/>
+              </a:effectRef>
+              <a:fontRef idx="minor">
+                <a:schemeClr val="lt1"/>
+              </a:fontRef>
+            </p:style>
+            <p:txBody>
+              <a:bodyPr rtlCol="0" anchor="ctr"/>
+              <a:lstStyle/>
+              <a:p>
+                <a:pPr algn="ctr"/>
+                <a:r>
+                  <a:rPr lang="en-US" altLang="ko-KR" sz="1000" b="1" dirty="0" smtClean="0">
+                    <a:solidFill>
+                      <a:schemeClr val="tx1"/>
+                    </a:solidFill>
+                  </a:rPr>
+                  <a:t>3</a:t>
+                </a:r>
+                <a:endParaRPr lang="ko-KR" altLang="en-US" b="1" dirty="0">
+                  <a:solidFill>
+                    <a:schemeClr val="tx1"/>
+                  </a:solidFill>
+                </a:endParaRPr>
+              </a:p>
+            </p:txBody>
+          </p:sp>
+        </p:grpSp>
+        <p:grpSp>
+          <p:nvGrpSpPr>
+            <p:cNvPr id="25" name="그룹 24"/>
+            <p:cNvGrpSpPr/>
+            <p:nvPr/>
+          </p:nvGrpSpPr>
+          <p:grpSpPr>
+            <a:xfrm>
+              <a:off x="4657660" y="361604"/>
+              <a:ext cx="521923" cy="536171"/>
+              <a:chOff x="7556269" y="353291"/>
+              <a:chExt cx="565266" cy="536171"/>
+            </a:xfrm>
+          </p:grpSpPr>
+          <p:sp>
+            <p:nvSpPr>
+              <p:cNvPr id="26" name="타원 25"/>
+              <p:cNvSpPr/>
+              <p:nvPr/>
+            </p:nvSpPr>
+            <p:spPr>
+              <a:xfrm>
+                <a:off x="7556269" y="440575"/>
+                <a:ext cx="565266" cy="448887"/>
+              </a:xfrm>
+              <a:prstGeom prst="ellipse">
+                <a:avLst/>
+              </a:prstGeom>
+              <a:noFill/>
+              <a:ln>
+                <a:solidFill>
+                  <a:schemeClr val="accent2"/>
+                </a:solidFill>
+              </a:ln>
+            </p:spPr>
+            <p:style>
+              <a:lnRef idx="2">
+                <a:schemeClr val="accent1">
+                  <a:shade val="50000"/>
+                </a:schemeClr>
+              </a:lnRef>
+              <a:fillRef idx="1">
+                <a:schemeClr val="accent1"/>
+              </a:fillRef>
+              <a:effectRef idx="0">
+                <a:schemeClr val="accent1"/>
+              </a:effectRef>
+              <a:fontRef idx="minor">
+                <a:schemeClr val="lt1"/>
+              </a:fontRef>
+            </p:style>
+            <p:txBody>
+              <a:bodyPr rtlCol="0" anchor="ctr"/>
+              <a:lstStyle/>
+              <a:p>
+                <a:pPr algn="ctr"/>
+                <a:endParaRPr lang="ko-KR" altLang="en-US"/>
+              </a:p>
+            </p:txBody>
+          </p:sp>
+          <p:sp>
+            <p:nvSpPr>
+              <p:cNvPr id="27" name="순서도: 연결자 26"/>
+              <p:cNvSpPr/>
+              <p:nvPr/>
+            </p:nvSpPr>
+            <p:spPr>
+              <a:xfrm>
+                <a:off x="7938655" y="353291"/>
+                <a:ext cx="182880" cy="174568"/>
+              </a:xfrm>
+              <a:prstGeom prst="flowChartConnector">
+                <a:avLst/>
+              </a:prstGeom>
+              <a:solidFill>
+                <a:schemeClr val="accent4">
+                  <a:lumMod val="20000"/>
+                  <a:lumOff val="80000"/>
+                </a:schemeClr>
+              </a:solidFill>
+              <a:ln>
+                <a:solidFill>
+                  <a:schemeClr val="accent2"/>
+                </a:solidFill>
+              </a:ln>
+            </p:spPr>
+            <p:style>
+              <a:lnRef idx="2">
+                <a:schemeClr val="accent1">
+                  <a:shade val="50000"/>
+                </a:schemeClr>
+              </a:lnRef>
+              <a:fillRef idx="1">
+                <a:schemeClr val="accent1"/>
+              </a:fillRef>
+              <a:effectRef idx="0">
+                <a:schemeClr val="accent1"/>
+              </a:effectRef>
+              <a:fontRef idx="minor">
+                <a:schemeClr val="lt1"/>
+              </a:fontRef>
+            </p:style>
+            <p:txBody>
+              <a:bodyPr rtlCol="0" anchor="ctr"/>
+              <a:lstStyle/>
+              <a:p>
+                <a:pPr algn="ctr"/>
+                <a:r>
+                  <a:rPr lang="en-US" altLang="ko-KR" sz="1000" b="1" dirty="0">
+                    <a:solidFill>
+                      <a:schemeClr val="tx1"/>
+                    </a:solidFill>
+                  </a:rPr>
+                  <a:t>2</a:t>
+                </a:r>
+                <a:endParaRPr lang="ko-KR" altLang="en-US" b="1" dirty="0">
+                  <a:solidFill>
+                    <a:schemeClr val="tx1"/>
+                  </a:solidFill>
+                </a:endParaRPr>
+              </a:p>
+            </p:txBody>
+          </p:sp>
+        </p:grpSp>
+        <p:grpSp>
+          <p:nvGrpSpPr>
+            <p:cNvPr id="28" name="그룹 27"/>
+            <p:cNvGrpSpPr/>
+            <p:nvPr/>
+          </p:nvGrpSpPr>
+          <p:grpSpPr>
+            <a:xfrm>
+              <a:off x="5920250" y="361604"/>
+              <a:ext cx="521923" cy="536171"/>
+              <a:chOff x="7556269" y="353291"/>
+              <a:chExt cx="565266" cy="536171"/>
+            </a:xfrm>
+          </p:grpSpPr>
+          <p:sp>
+            <p:nvSpPr>
+              <p:cNvPr id="29" name="타원 28"/>
+              <p:cNvSpPr/>
+              <p:nvPr/>
+            </p:nvSpPr>
+            <p:spPr>
+              <a:xfrm>
+                <a:off x="7556269" y="440575"/>
+                <a:ext cx="565266" cy="448887"/>
+              </a:xfrm>
+              <a:prstGeom prst="ellipse">
+                <a:avLst/>
+              </a:prstGeom>
+              <a:noFill/>
+              <a:ln>
+                <a:solidFill>
+                  <a:schemeClr val="accent2"/>
+                </a:solidFill>
+              </a:ln>
+            </p:spPr>
+            <p:style>
+              <a:lnRef idx="2">
+                <a:schemeClr val="accent1">
+                  <a:shade val="50000"/>
+                </a:schemeClr>
+              </a:lnRef>
+              <a:fillRef idx="1">
+                <a:schemeClr val="accent1"/>
+              </a:fillRef>
+              <a:effectRef idx="0">
+                <a:schemeClr val="accent1"/>
+              </a:effectRef>
+              <a:fontRef idx="minor">
+                <a:schemeClr val="lt1"/>
+              </a:fontRef>
+            </p:style>
+            <p:txBody>
+              <a:bodyPr rtlCol="0" anchor="ctr"/>
+              <a:lstStyle/>
+              <a:p>
+                <a:pPr algn="ctr"/>
+                <a:endParaRPr lang="ko-KR" altLang="en-US"/>
+              </a:p>
+            </p:txBody>
+          </p:sp>
+          <p:sp>
+            <p:nvSpPr>
+              <p:cNvPr id="30" name="순서도: 연결자 29"/>
+              <p:cNvSpPr/>
+              <p:nvPr/>
+            </p:nvSpPr>
+            <p:spPr>
+              <a:xfrm>
+                <a:off x="7938655" y="353291"/>
+                <a:ext cx="182880" cy="174568"/>
+              </a:xfrm>
+              <a:prstGeom prst="flowChartConnector">
+                <a:avLst/>
+              </a:prstGeom>
+              <a:solidFill>
+                <a:schemeClr val="accent4">
+                  <a:lumMod val="20000"/>
+                  <a:lumOff val="80000"/>
+                </a:schemeClr>
+              </a:solidFill>
+              <a:ln>
+                <a:solidFill>
+                  <a:schemeClr val="accent2"/>
+                </a:solidFill>
+              </a:ln>
+            </p:spPr>
+            <p:style>
+              <a:lnRef idx="2">
+                <a:schemeClr val="accent1">
+                  <a:shade val="50000"/>
+                </a:schemeClr>
+              </a:lnRef>
+              <a:fillRef idx="1">
+                <a:schemeClr val="accent1"/>
+              </a:fillRef>
+              <a:effectRef idx="0">
+                <a:schemeClr val="accent1"/>
+              </a:effectRef>
+              <a:fontRef idx="minor">
+                <a:schemeClr val="lt1"/>
+              </a:fontRef>
+            </p:style>
+            <p:txBody>
+              <a:bodyPr rtlCol="0" anchor="ctr"/>
+              <a:lstStyle/>
+              <a:p>
+                <a:pPr algn="ctr"/>
+                <a:r>
+                  <a:rPr lang="en-US" altLang="ko-KR" sz="1000" b="1" dirty="0">
+                    <a:solidFill>
+                      <a:schemeClr val="tx1"/>
+                    </a:solidFill>
+                  </a:rPr>
+                  <a:t>4</a:t>
+                </a:r>
+                <a:endParaRPr lang="ko-KR" altLang="en-US" b="1" dirty="0">
+                  <a:solidFill>
+                    <a:schemeClr val="tx1"/>
+                  </a:solidFill>
+                </a:endParaRPr>
+              </a:p>
+            </p:txBody>
+          </p:sp>
+        </p:grpSp>
+        <p:grpSp>
+          <p:nvGrpSpPr>
+            <p:cNvPr id="35" name="그룹 34"/>
+            <p:cNvGrpSpPr/>
+            <p:nvPr/>
+          </p:nvGrpSpPr>
+          <p:grpSpPr>
+            <a:xfrm>
+              <a:off x="4634637" y="1475510"/>
+              <a:ext cx="521923" cy="536171"/>
+              <a:chOff x="7556269" y="353291"/>
+              <a:chExt cx="565266" cy="536171"/>
+            </a:xfrm>
+          </p:grpSpPr>
+          <p:sp>
+            <p:nvSpPr>
+              <p:cNvPr id="36" name="타원 35"/>
+              <p:cNvSpPr/>
+              <p:nvPr/>
+            </p:nvSpPr>
+            <p:spPr>
+              <a:xfrm>
+                <a:off x="7556269" y="440575"/>
+                <a:ext cx="565266" cy="448887"/>
+              </a:xfrm>
+              <a:prstGeom prst="ellipse">
+                <a:avLst/>
+              </a:prstGeom>
+              <a:noFill/>
+              <a:ln>
+                <a:solidFill>
+                  <a:schemeClr val="accent2"/>
+                </a:solidFill>
+              </a:ln>
+            </p:spPr>
+            <p:style>
+              <a:lnRef idx="2">
+                <a:schemeClr val="accent1">
+                  <a:shade val="50000"/>
+                </a:schemeClr>
+              </a:lnRef>
+              <a:fillRef idx="1">
+                <a:schemeClr val="accent1"/>
+              </a:fillRef>
+              <a:effectRef idx="0">
+                <a:schemeClr val="accent1"/>
+              </a:effectRef>
+              <a:fontRef idx="minor">
+                <a:schemeClr val="lt1"/>
+              </a:fontRef>
+            </p:style>
+            <p:txBody>
+              <a:bodyPr rtlCol="0" anchor="ctr"/>
+              <a:lstStyle/>
+              <a:p>
+                <a:pPr algn="ctr"/>
+                <a:endParaRPr lang="ko-KR" altLang="en-US"/>
+              </a:p>
+            </p:txBody>
+          </p:sp>
+          <p:sp>
+            <p:nvSpPr>
+              <p:cNvPr id="37" name="순서도: 연결자 36"/>
+              <p:cNvSpPr/>
+              <p:nvPr/>
+            </p:nvSpPr>
+            <p:spPr>
+              <a:xfrm>
+                <a:off x="7938655" y="353291"/>
+                <a:ext cx="182880" cy="174568"/>
+              </a:xfrm>
+              <a:prstGeom prst="flowChartConnector">
+                <a:avLst/>
+              </a:prstGeom>
+              <a:solidFill>
+                <a:schemeClr val="accent4">
+                  <a:lumMod val="20000"/>
+                  <a:lumOff val="80000"/>
+                </a:schemeClr>
+              </a:solidFill>
+              <a:ln>
+                <a:solidFill>
+                  <a:schemeClr val="accent2"/>
+                </a:solidFill>
+              </a:ln>
+            </p:spPr>
+            <p:style>
+              <a:lnRef idx="2">
+                <a:schemeClr val="accent1">
+                  <a:shade val="50000"/>
+                </a:schemeClr>
+              </a:lnRef>
+              <a:fillRef idx="1">
+                <a:schemeClr val="accent1"/>
+              </a:fillRef>
+              <a:effectRef idx="0">
+                <a:schemeClr val="accent1"/>
+              </a:effectRef>
+              <a:fontRef idx="minor">
+                <a:schemeClr val="lt1"/>
+              </a:fontRef>
+            </p:style>
+            <p:txBody>
+              <a:bodyPr rtlCol="0" anchor="ctr"/>
+              <a:lstStyle/>
+              <a:p>
+                <a:pPr algn="ctr"/>
+                <a:r>
+                  <a:rPr lang="en-US" altLang="ko-KR" sz="1000" b="1" dirty="0" smtClean="0">
+                    <a:solidFill>
+                      <a:schemeClr val="tx1"/>
+                    </a:solidFill>
+                  </a:rPr>
+                  <a:t>6</a:t>
+                </a:r>
+                <a:endParaRPr lang="ko-KR" altLang="en-US" b="1" dirty="0">
+                  <a:solidFill>
+                    <a:schemeClr val="tx1"/>
+                  </a:solidFill>
+                </a:endParaRPr>
+              </a:p>
+            </p:txBody>
+          </p:sp>
+        </p:grpSp>
+        <p:grpSp>
+          <p:nvGrpSpPr>
+            <p:cNvPr id="38" name="그룹 37"/>
+            <p:cNvGrpSpPr/>
+            <p:nvPr/>
+          </p:nvGrpSpPr>
+          <p:grpSpPr>
+            <a:xfrm>
+              <a:off x="5179583" y="1458884"/>
+              <a:ext cx="521923" cy="536171"/>
+              <a:chOff x="7556269" y="353291"/>
+              <a:chExt cx="565266" cy="536171"/>
+            </a:xfrm>
+          </p:grpSpPr>
+          <p:sp>
+            <p:nvSpPr>
+              <p:cNvPr id="39" name="타원 38"/>
+              <p:cNvSpPr/>
+              <p:nvPr/>
+            </p:nvSpPr>
+            <p:spPr>
+              <a:xfrm>
+                <a:off x="7556269" y="440575"/>
+                <a:ext cx="565266" cy="448887"/>
+              </a:xfrm>
+              <a:prstGeom prst="ellipse">
+                <a:avLst/>
+              </a:prstGeom>
+              <a:noFill/>
+              <a:ln>
+                <a:solidFill>
+                  <a:schemeClr val="accent2"/>
+                </a:solidFill>
+              </a:ln>
+            </p:spPr>
+            <p:style>
+              <a:lnRef idx="2">
+                <a:schemeClr val="accent1">
+                  <a:shade val="50000"/>
+                </a:schemeClr>
+              </a:lnRef>
+              <a:fillRef idx="1">
+                <a:schemeClr val="accent1"/>
+              </a:fillRef>
+              <a:effectRef idx="0">
+                <a:schemeClr val="accent1"/>
+              </a:effectRef>
+              <a:fontRef idx="minor">
+                <a:schemeClr val="lt1"/>
+              </a:fontRef>
+            </p:style>
+            <p:txBody>
+              <a:bodyPr rtlCol="0" anchor="ctr"/>
+              <a:lstStyle/>
+              <a:p>
+                <a:pPr algn="ctr"/>
+                <a:endParaRPr lang="ko-KR" altLang="en-US"/>
+              </a:p>
+            </p:txBody>
+          </p:sp>
+          <p:sp>
+            <p:nvSpPr>
+              <p:cNvPr id="40" name="순서도: 연결자 39"/>
+              <p:cNvSpPr/>
+              <p:nvPr/>
+            </p:nvSpPr>
+            <p:spPr>
+              <a:xfrm>
+                <a:off x="7938655" y="353291"/>
+                <a:ext cx="182880" cy="174568"/>
+              </a:xfrm>
+              <a:prstGeom prst="flowChartConnector">
+                <a:avLst/>
+              </a:prstGeom>
+              <a:solidFill>
+                <a:schemeClr val="accent4">
+                  <a:lumMod val="20000"/>
+                  <a:lumOff val="80000"/>
+                </a:schemeClr>
+              </a:solidFill>
+              <a:ln>
+                <a:solidFill>
+                  <a:schemeClr val="accent2"/>
+                </a:solidFill>
+              </a:ln>
+            </p:spPr>
+            <p:style>
+              <a:lnRef idx="2">
+                <a:schemeClr val="accent1">
+                  <a:shade val="50000"/>
+                </a:schemeClr>
+              </a:lnRef>
+              <a:fillRef idx="1">
+                <a:schemeClr val="accent1"/>
+              </a:fillRef>
+              <a:effectRef idx="0">
+                <a:schemeClr val="accent1"/>
+              </a:effectRef>
+              <a:fontRef idx="minor">
+                <a:schemeClr val="lt1"/>
+              </a:fontRef>
+            </p:style>
+            <p:txBody>
+              <a:bodyPr rtlCol="0" anchor="ctr"/>
+              <a:lstStyle/>
+              <a:p>
+                <a:pPr algn="ctr"/>
+                <a:r>
+                  <a:rPr lang="en-US" altLang="ko-KR" sz="1000" b="1" dirty="0" smtClean="0">
+                    <a:solidFill>
+                      <a:schemeClr val="tx1"/>
+                    </a:solidFill>
+                  </a:rPr>
+                  <a:t>7</a:t>
+                </a:r>
+                <a:endParaRPr lang="ko-KR" altLang="en-US" b="1" dirty="0">
+                  <a:solidFill>
+                    <a:schemeClr val="tx1"/>
+                  </a:solidFill>
+                </a:endParaRPr>
+              </a:p>
+            </p:txBody>
+          </p:sp>
+        </p:grpSp>
+      </p:grpSp>
+      <p:graphicFrame>
+        <p:nvGraphicFramePr>
+          <p:cNvPr id="41" name="표 40"/>
+          <p:cNvGraphicFramePr>
+            <a:graphicFrameLocks noGrp="1"/>
+          </p:cNvGraphicFramePr>
+          <p:nvPr>
+            <p:extLst>
+              <p:ext uri="{D42A27DB-BD31-4B8C-83A1-F6EECF244321}">
+                <p14:modId xmlns:p14="http://schemas.microsoft.com/office/powerpoint/2010/main" val="177999729"/>
+              </p:ext>
+            </p:extLst>
+          </p:nvPr>
+        </p:nvGraphicFramePr>
+        <p:xfrm>
+          <a:off x="8737601" y="2501315"/>
+          <a:ext cx="3314700" cy="3192154"/>
+        </p:xfrm>
+        <a:graphic>
+          <a:graphicData uri="http://schemas.openxmlformats.org/drawingml/2006/table">
+            <a:tbl>
+              <a:tblPr firstRow="1" bandRow="1">
+                <a:tableStyleId>{5C22544A-7EE6-4342-B048-85BDC9FD1C3A}</a:tableStyleId>
+              </a:tblPr>
+              <a:tblGrid>
+                <a:gridCol w="3314700">
+                  <a:extLst>
+                    <a:ext uri="{9D8B030D-6E8A-4147-A177-3AD203B41FA5}">
+                      <a16:colId xmlns:a16="http://schemas.microsoft.com/office/drawing/2014/main" val="624095352"/>
+                    </a:ext>
+                  </a:extLst>
+                </a:gridCol>
+              </a:tblGrid>
+              <a:tr h="424765">
+                <a:tc>
+                  <a:txBody>
+                    <a:bodyPr/>
+                    <a:lstStyle/>
+                    <a:p>
+                      <a:pPr algn="ctr" latinLnBrk="1"/>
+                      <a:r>
+                        <a:rPr lang="ko-KR" altLang="en-US" sz="1400" dirty="0" smtClean="0">
+                          <a:solidFill>
+                            <a:schemeClr val="tx1"/>
+                          </a:solidFill>
+                        </a:rPr>
+                        <a:t>페이지 설명</a:t>
+                      </a:r>
+                      <a:endParaRPr lang="ko-KR" altLang="en-US" sz="1400" dirty="0">
+                        <a:solidFill>
+                          <a:schemeClr val="tx1"/>
+                        </a:solidFill>
+                      </a:endParaRPr>
+                    </a:p>
+                  </a:txBody>
+                  <a:tcPr anchor="ctr">
+                    <a:solidFill>
+                      <a:schemeClr val="bg1">
+                        <a:lumMod val="65000"/>
+                      </a:schemeClr>
+                    </a:solidFill>
+                  </a:tcPr>
+                </a:tc>
+                <a:extLst>
+                  <a:ext uri="{0D108BD9-81ED-4DB2-BD59-A6C34878D82A}">
+                    <a16:rowId xmlns:a16="http://schemas.microsoft.com/office/drawing/2014/main" val="3223088050"/>
+                  </a:ext>
+                </a:extLst>
+              </a:tr>
+              <a:tr h="2767389">
+                <a:tc>
+                  <a:txBody>
+                    <a:bodyPr/>
+                    <a:lstStyle/>
+                    <a:p>
+                      <a:pPr marL="342900" indent="-342900" latinLnBrk="1">
+                        <a:buAutoNum type="arabicPeriod"/>
+                      </a:pPr>
+                      <a:r>
+                        <a:rPr lang="en-US" altLang="ko-KR" sz="1600" b="0" dirty="0" smtClean="0">
+                          <a:solidFill>
+                            <a:schemeClr val="tx1"/>
+                          </a:solidFill>
+                        </a:rPr>
+                        <a:t>About </a:t>
+                      </a:r>
+                      <a:r>
+                        <a:rPr lang="ko-KR" altLang="en-US" sz="1600" b="0" dirty="0" smtClean="0">
+                          <a:solidFill>
+                            <a:schemeClr val="tx1"/>
+                          </a:solidFill>
+                        </a:rPr>
+                        <a:t>페이지로 이동</a:t>
+                      </a:r>
+                      <a:endParaRPr lang="en-US" altLang="ko-KR" sz="1600" b="0" dirty="0" smtClean="0">
+                        <a:solidFill>
+                          <a:schemeClr val="tx1"/>
+                        </a:solidFill>
+                      </a:endParaRPr>
+                    </a:p>
+                    <a:p>
+                      <a:pPr marL="342900" indent="-342900" latinLnBrk="1">
+                        <a:buAutoNum type="arabicPeriod"/>
+                      </a:pPr>
+                      <a:r>
+                        <a:rPr lang="en-US" altLang="ko-KR" sz="1600" b="0" dirty="0" smtClean="0">
+                          <a:solidFill>
+                            <a:schemeClr val="tx1"/>
+                          </a:solidFill>
+                        </a:rPr>
+                        <a:t>Rooms</a:t>
+                      </a:r>
+                      <a:r>
+                        <a:rPr lang="en-US" altLang="ko-KR" sz="1600" b="0" baseline="0" dirty="0" smtClean="0">
+                          <a:solidFill>
+                            <a:schemeClr val="tx1"/>
+                          </a:solidFill>
+                        </a:rPr>
+                        <a:t> </a:t>
+                      </a:r>
+                      <a:r>
+                        <a:rPr lang="ko-KR" altLang="en-US" sz="1600" b="0" baseline="0" dirty="0" smtClean="0">
+                          <a:solidFill>
+                            <a:schemeClr val="tx1"/>
+                          </a:solidFill>
+                        </a:rPr>
+                        <a:t>페이지로 이동</a:t>
+                      </a:r>
+                      <a:endParaRPr lang="en-US" altLang="ko-KR" sz="1600" b="0" baseline="0" dirty="0" smtClean="0">
+                        <a:solidFill>
+                          <a:schemeClr val="tx1"/>
+                        </a:solidFill>
+                      </a:endParaRPr>
+                    </a:p>
+                    <a:p>
+                      <a:pPr marL="342900" indent="-342900" latinLnBrk="1">
+                        <a:buAutoNum type="arabicPeriod"/>
+                      </a:pPr>
+                      <a:r>
+                        <a:rPr lang="en-US" altLang="ko-KR" sz="1600" b="0" baseline="0" dirty="0" smtClean="0">
+                          <a:solidFill>
+                            <a:schemeClr val="tx1"/>
+                          </a:solidFill>
+                        </a:rPr>
+                        <a:t>Reservation </a:t>
+                      </a:r>
+                      <a:r>
+                        <a:rPr lang="ko-KR" altLang="en-US" sz="1600" b="0" baseline="0" dirty="0" smtClean="0">
+                          <a:solidFill>
+                            <a:schemeClr val="tx1"/>
+                          </a:solidFill>
+                        </a:rPr>
+                        <a:t>페이지로 이동</a:t>
+                      </a:r>
+                      <a:endParaRPr lang="en-US" altLang="ko-KR" sz="1600" b="0" baseline="0" dirty="0" smtClean="0">
+                        <a:solidFill>
+                          <a:schemeClr val="tx1"/>
+                        </a:solidFill>
+                      </a:endParaRPr>
+                    </a:p>
+                    <a:p>
+                      <a:pPr marL="342900" indent="-342900" latinLnBrk="1">
+                        <a:buAutoNum type="arabicPeriod"/>
+                      </a:pPr>
+                      <a:r>
+                        <a:rPr lang="en-US" altLang="ko-KR" sz="1600" b="0" dirty="0" smtClean="0">
+                          <a:solidFill>
+                            <a:schemeClr val="tx1"/>
+                          </a:solidFill>
+                        </a:rPr>
+                        <a:t>Community</a:t>
+                      </a:r>
+                      <a:r>
+                        <a:rPr lang="en-US" altLang="ko-KR" sz="1600" b="0" baseline="0" dirty="0" smtClean="0">
+                          <a:solidFill>
+                            <a:schemeClr val="tx1"/>
+                          </a:solidFill>
+                        </a:rPr>
+                        <a:t> </a:t>
+                      </a:r>
+                      <a:r>
+                        <a:rPr lang="ko-KR" altLang="en-US" sz="1600" b="0" baseline="0" dirty="0" smtClean="0">
+                          <a:solidFill>
+                            <a:schemeClr val="tx1"/>
+                          </a:solidFill>
+                        </a:rPr>
+                        <a:t>페이지로 이동</a:t>
+                      </a:r>
+                      <a:endParaRPr lang="en-US" altLang="ko-KR" sz="1600" b="0" baseline="0" dirty="0" smtClean="0">
+                        <a:solidFill>
+                          <a:schemeClr val="tx1"/>
+                        </a:solidFill>
+                      </a:endParaRPr>
+                    </a:p>
+                    <a:p>
+                      <a:pPr marL="342900" indent="-342900" latinLnBrk="1">
+                        <a:buAutoNum type="arabicPeriod"/>
+                      </a:pPr>
+                      <a:r>
+                        <a:rPr lang="en-US" altLang="ko-KR" sz="1600" b="0" baseline="0" dirty="0" smtClean="0">
+                          <a:solidFill>
+                            <a:schemeClr val="tx1"/>
+                          </a:solidFill>
+                        </a:rPr>
+                        <a:t>Log in </a:t>
+                      </a:r>
+                      <a:r>
+                        <a:rPr lang="ko-KR" altLang="en-US" sz="1600" b="0" baseline="0" dirty="0" smtClean="0">
+                          <a:solidFill>
+                            <a:schemeClr val="tx1"/>
+                          </a:solidFill>
+                        </a:rPr>
+                        <a:t>페이지로 이동</a:t>
+                      </a:r>
+                      <a:endParaRPr lang="en-US" altLang="ko-KR" sz="1600" b="0" baseline="0" dirty="0" smtClean="0">
+                        <a:solidFill>
+                          <a:schemeClr val="tx1"/>
+                        </a:solidFill>
+                      </a:endParaRPr>
+                    </a:p>
+                    <a:p>
+                      <a:pPr marL="342900" indent="-342900" latinLnBrk="1">
+                        <a:buAutoNum type="arabicPeriod"/>
+                      </a:pPr>
+                      <a:r>
+                        <a:rPr lang="en-US" altLang="ko-KR" sz="1600" b="0" baseline="0" dirty="0" smtClean="0">
+                          <a:solidFill>
+                            <a:schemeClr val="tx1"/>
+                          </a:solidFill>
+                        </a:rPr>
+                        <a:t>Info </a:t>
+                      </a:r>
+                      <a:r>
+                        <a:rPr lang="ko-KR" altLang="en-US" sz="1600" b="0" baseline="0" dirty="0" smtClean="0">
+                          <a:solidFill>
+                            <a:schemeClr val="tx1"/>
+                          </a:solidFill>
+                        </a:rPr>
+                        <a:t>페이지로 이동</a:t>
+                      </a:r>
+                      <a:endParaRPr lang="en-US" altLang="ko-KR" sz="1600" b="0" baseline="0" dirty="0" smtClean="0">
+                        <a:solidFill>
+                          <a:schemeClr val="tx1"/>
+                        </a:solidFill>
+                      </a:endParaRPr>
+                    </a:p>
+                    <a:p>
+                      <a:pPr marL="342900" indent="-342900" latinLnBrk="1">
+                        <a:buAutoNum type="arabicPeriod"/>
+                      </a:pPr>
+                      <a:r>
+                        <a:rPr lang="en-US" altLang="ko-KR" sz="1600" b="0" baseline="0" dirty="0" smtClean="0">
+                          <a:solidFill>
+                            <a:schemeClr val="tx1"/>
+                          </a:solidFill>
+                        </a:rPr>
+                        <a:t>Facilities </a:t>
+                      </a:r>
+                      <a:r>
+                        <a:rPr lang="ko-KR" altLang="en-US" sz="1600" b="0" baseline="0" dirty="0" smtClean="0">
+                          <a:solidFill>
+                            <a:schemeClr val="tx1"/>
+                          </a:solidFill>
+                        </a:rPr>
+                        <a:t>페이지로 이동</a:t>
+                      </a:r>
+                      <a:endParaRPr lang="ko-KR" altLang="en-US" sz="1600" b="0" dirty="0">
+                        <a:solidFill>
+                          <a:schemeClr val="tx1"/>
+                        </a:solidFill>
+                      </a:endParaRPr>
+                    </a:p>
+                  </a:txBody>
+                  <a:tcPr>
+                    <a:solidFill>
+                      <a:schemeClr val="bg1"/>
+                    </a:solidFill>
+                  </a:tcPr>
+                </a:tc>
+                <a:extLst>
+                  <a:ext uri="{0D108BD9-81ED-4DB2-BD59-A6C34878D82A}">
+                    <a16:rowId xmlns:a16="http://schemas.microsoft.com/office/drawing/2014/main" val="2490414378"/>
+                  </a:ext>
+                </a:extLst>
+              </a:tr>
+            </a:tbl>
+          </a:graphicData>
+        </a:graphic>
+      </p:graphicFrame>
     </p:spTree>
     <p:extLst>
       <p:ext uri="{BB962C8B-B14F-4D97-AF65-F5344CB8AC3E}">
         <p14:creationId xmlns:p14="http://schemas.microsoft.com/office/powerpoint/2010/main" val="3501389064"/>
+      </p:ext>
+    </p:extLst>
+  </p:cSld>
+  <p:clrMapOvr>
+    <a:masterClrMapping/>
+  </p:clrMapOvr>
+  <p:timing>
+    <p:tnLst>
+      <p:par>
+        <p:cTn id="1" dur="indefinite" restart="never" nodeType="tmRoot"/>
+      </p:par>
+    </p:tnLst>
+  </p:timing>
+</p:sld>
+</file>
+
+<file path=ppt/slides/slide6.xml><?xml version="1.0" encoding="utf-8"?>
+<p:sld xmlns:a="http://schemas.openxmlformats.org/drawingml/2006/main" xmlns:r="http://schemas.openxmlformats.org/officeDocument/2006/relationships" xmlns:p="http://schemas.openxmlformats.org/presentationml/2006/main">
+  <p:cSld>
+    <p:spTree>
+      <p:nvGrpSpPr>
+        <p:cNvPr id="1" name=""/>
+        <p:cNvGrpSpPr/>
+        <p:nvPr/>
+      </p:nvGrpSpPr>
+      <p:grpSpPr>
+        <a:xfrm>
+          <a:off x="0" y="0"/>
+          <a:ext cx="0" cy="0"/>
+          <a:chOff x="0" y="0"/>
+          <a:chExt cx="0" cy="0"/>
+        </a:xfrm>
+      </p:grpSpPr>
+      <p:graphicFrame>
+        <p:nvGraphicFramePr>
+          <p:cNvPr id="4" name="표 3"/>
+          <p:cNvGraphicFramePr>
+            <a:graphicFrameLocks noGrp="1"/>
+          </p:cNvGraphicFramePr>
+          <p:nvPr>
+            <p:extLst>
+              <p:ext uri="{D42A27DB-BD31-4B8C-83A1-F6EECF244321}">
+                <p14:modId xmlns:p14="http://schemas.microsoft.com/office/powerpoint/2010/main" val="1350360660"/>
+              </p:ext>
+            </p:extLst>
+          </p:nvPr>
+        </p:nvGraphicFramePr>
+        <p:xfrm>
+          <a:off x="8737600" y="300566"/>
+          <a:ext cx="3314700" cy="2142915"/>
+        </p:xfrm>
+        <a:graphic>
+          <a:graphicData uri="http://schemas.openxmlformats.org/drawingml/2006/table">
+            <a:tbl>
+              <a:tblPr firstRow="1" bandRow="1">
+                <a:tableStyleId>{5C22544A-7EE6-4342-B048-85BDC9FD1C3A}</a:tableStyleId>
+              </a:tblPr>
+              <a:tblGrid>
+                <a:gridCol w="1206500">
+                  <a:extLst>
+                    <a:ext uri="{9D8B030D-6E8A-4147-A177-3AD203B41FA5}">
+                      <a16:colId xmlns:a16="http://schemas.microsoft.com/office/drawing/2014/main" val="2073897549"/>
+                    </a:ext>
+                  </a:extLst>
+                </a:gridCol>
+                <a:gridCol w="2108200">
+                  <a:extLst>
+                    <a:ext uri="{9D8B030D-6E8A-4147-A177-3AD203B41FA5}">
+                      <a16:colId xmlns:a16="http://schemas.microsoft.com/office/drawing/2014/main" val="674025358"/>
+                    </a:ext>
+                  </a:extLst>
+                </a:gridCol>
+              </a:tblGrid>
+              <a:tr h="428583">
+                <a:tc>
+                  <a:txBody>
+                    <a:bodyPr/>
+                    <a:lstStyle/>
+                    <a:p>
+                      <a:pPr latinLnBrk="1"/>
+                      <a:r>
+                        <a:rPr lang="ko-KR" altLang="en-US" sz="1400" b="0" dirty="0" smtClean="0">
+                          <a:solidFill>
+                            <a:sysClr val="windowText" lastClr="000000"/>
+                          </a:solidFill>
+                        </a:rPr>
+                        <a:t>페이지 명</a:t>
+                      </a:r>
+                      <a:endParaRPr lang="ko-KR" altLang="en-US" sz="1400" b="0" dirty="0">
+                        <a:solidFill>
+                          <a:sysClr val="windowText" lastClr="000000"/>
+                        </a:solidFill>
+                      </a:endParaRPr>
+                    </a:p>
+                  </a:txBody>
+                  <a:tcPr>
+                    <a:lnL w="12700" cap="flat" cmpd="sng" algn="ctr">
+                      <a:solidFill>
+                        <a:schemeClr val="tx1"/>
+                      </a:solidFill>
+                      <a:prstDash val="solid"/>
+                      <a:round/>
+                      <a:headEnd type="none" w="med" len="med"/>
+                      <a:tailEnd type="none" w="med" len="med"/>
+                    </a:lnL>
+                    <a:lnR w="12700" cap="flat" cmpd="sng" algn="ctr">
+                      <a:solidFill>
+                        <a:schemeClr val="tx1"/>
+                      </a:solidFill>
+                      <a:prstDash val="solid"/>
+                      <a:round/>
+                      <a:headEnd type="none" w="med" len="med"/>
+                      <a:tailEnd type="none" w="med" len="med"/>
+                    </a:lnR>
+                    <a:lnT w="12700" cap="flat" cmpd="sng" algn="ctr">
+                      <a:solidFill>
+                        <a:schemeClr val="tx1"/>
+                      </a:solidFill>
+                      <a:prstDash val="solid"/>
+                      <a:round/>
+                      <a:headEnd type="none" w="med" len="med"/>
+                      <a:tailEnd type="none" w="med" len="med"/>
+                    </a:lnT>
+                    <a:lnB w="12700" cap="flat" cmpd="sng" algn="ctr">
+                      <a:solidFill>
+                        <a:schemeClr val="tx1"/>
+                      </a:solidFill>
+                      <a:prstDash val="solid"/>
+                      <a:round/>
+                      <a:headEnd type="none" w="med" len="med"/>
+                      <a:tailEnd type="none" w="med" len="med"/>
+                    </a:lnB>
+                    <a:lnTlToBr w="12700" cmpd="sng">
+                      <a:noFill/>
+                      <a:prstDash val="solid"/>
+                    </a:lnTlToBr>
+                    <a:lnBlToTr w="12700" cmpd="sng">
+                      <a:noFill/>
+                      <a:prstDash val="solid"/>
+                    </a:lnBlToTr>
+                    <a:solidFill>
+                      <a:schemeClr val="bg1">
+                        <a:lumMod val="65000"/>
+                      </a:schemeClr>
+                    </a:solidFill>
+                  </a:tcPr>
+                </a:tc>
+                <a:tc>
+                  <a:txBody>
+                    <a:bodyPr/>
+                    <a:lstStyle/>
+                    <a:p>
+                      <a:pPr latinLnBrk="1"/>
+                      <a:r>
+                        <a:rPr lang="en-US" altLang="ko-KR" sz="1400" b="0" baseline="0" dirty="0" smtClean="0">
+                          <a:solidFill>
+                            <a:sysClr val="windowText" lastClr="000000"/>
+                          </a:solidFill>
+                        </a:rPr>
+                        <a:t>Log in </a:t>
+                      </a:r>
+                      <a:r>
+                        <a:rPr lang="ko-KR" altLang="en-US" sz="1400" b="0" baseline="0" dirty="0" smtClean="0">
+                          <a:solidFill>
+                            <a:sysClr val="windowText" lastClr="000000"/>
+                          </a:solidFill>
+                        </a:rPr>
+                        <a:t>화면</a:t>
+                      </a:r>
+                      <a:endParaRPr lang="ko-KR" altLang="en-US" sz="1400" b="0" dirty="0">
+                        <a:solidFill>
+                          <a:sysClr val="windowText" lastClr="000000"/>
+                        </a:solidFill>
+                      </a:endParaRPr>
+                    </a:p>
+                  </a:txBody>
+                  <a:tcPr>
+                    <a:lnL w="12700" cap="flat" cmpd="sng" algn="ctr">
+                      <a:solidFill>
+                        <a:schemeClr val="tx1"/>
+                      </a:solidFill>
+                      <a:prstDash val="solid"/>
+                      <a:round/>
+                      <a:headEnd type="none" w="med" len="med"/>
+                      <a:tailEnd type="none" w="med" len="med"/>
+                    </a:lnL>
+                    <a:lnR w="12700" cap="flat" cmpd="sng" algn="ctr">
+                      <a:solidFill>
+                        <a:schemeClr val="tx1"/>
+                      </a:solidFill>
+                      <a:prstDash val="solid"/>
+                      <a:round/>
+                      <a:headEnd type="none" w="med" len="med"/>
+                      <a:tailEnd type="none" w="med" len="med"/>
+                    </a:lnR>
+                    <a:lnT w="12700" cap="flat" cmpd="sng" algn="ctr">
+                      <a:solidFill>
+                        <a:schemeClr val="tx1"/>
+                      </a:solidFill>
+                      <a:prstDash val="solid"/>
+                      <a:round/>
+                      <a:headEnd type="none" w="med" len="med"/>
+                      <a:tailEnd type="none" w="med" len="med"/>
+                    </a:lnT>
+                    <a:lnB w="12700" cap="flat" cmpd="sng" algn="ctr">
+                      <a:solidFill>
+                        <a:schemeClr val="tx1"/>
+                      </a:solidFill>
+                      <a:prstDash val="solid"/>
+                      <a:round/>
+                      <a:headEnd type="none" w="med" len="med"/>
+                      <a:tailEnd type="none" w="med" len="med"/>
+                    </a:lnB>
+                    <a:lnTlToBr w="12700" cmpd="sng">
+                      <a:noFill/>
+                      <a:prstDash val="solid"/>
+                    </a:lnTlToBr>
+                    <a:lnBlToTr w="12700" cmpd="sng">
+                      <a:noFill/>
+                      <a:prstDash val="solid"/>
+                    </a:lnBlToTr>
+                    <a:solidFill>
+                      <a:schemeClr val="bg1"/>
+                    </a:solidFill>
+                  </a:tcPr>
+                </a:tc>
+                <a:extLst>
+                  <a:ext uri="{0D108BD9-81ED-4DB2-BD59-A6C34878D82A}">
+                    <a16:rowId xmlns:a16="http://schemas.microsoft.com/office/drawing/2014/main" val="1559709450"/>
+                  </a:ext>
+                </a:extLst>
+              </a:tr>
+              <a:tr h="428583">
+                <a:tc>
+                  <a:txBody>
+                    <a:bodyPr/>
+                    <a:lstStyle/>
+                    <a:p>
+                      <a:pPr latinLnBrk="1"/>
+                      <a:r>
+                        <a:rPr lang="ko-KR" altLang="en-US" sz="1400" b="0" dirty="0" smtClean="0">
+                          <a:solidFill>
+                            <a:sysClr val="windowText" lastClr="000000"/>
+                          </a:solidFill>
+                        </a:rPr>
+                        <a:t>페이지 번호</a:t>
+                      </a:r>
+                      <a:endParaRPr lang="ko-KR" altLang="en-US" sz="1400" b="0" dirty="0">
+                        <a:solidFill>
+                          <a:sysClr val="windowText" lastClr="000000"/>
+                        </a:solidFill>
+                      </a:endParaRPr>
+                    </a:p>
+                  </a:txBody>
+                  <a:tcPr>
+                    <a:lnL w="12700" cap="flat" cmpd="sng" algn="ctr">
+                      <a:solidFill>
+                        <a:schemeClr val="tx1"/>
+                      </a:solidFill>
+                      <a:prstDash val="solid"/>
+                      <a:round/>
+                      <a:headEnd type="none" w="med" len="med"/>
+                      <a:tailEnd type="none" w="med" len="med"/>
+                    </a:lnL>
+                    <a:lnR w="12700" cap="flat" cmpd="sng" algn="ctr">
+                      <a:solidFill>
+                        <a:schemeClr val="tx1"/>
+                      </a:solidFill>
+                      <a:prstDash val="solid"/>
+                      <a:round/>
+                      <a:headEnd type="none" w="med" len="med"/>
+                      <a:tailEnd type="none" w="med" len="med"/>
+                    </a:lnR>
+                    <a:lnT w="12700" cap="flat" cmpd="sng" algn="ctr">
+                      <a:solidFill>
+                        <a:schemeClr val="tx1"/>
+                      </a:solidFill>
+                      <a:prstDash val="solid"/>
+                      <a:round/>
+                      <a:headEnd type="none" w="med" len="med"/>
+                      <a:tailEnd type="none" w="med" len="med"/>
+                    </a:lnT>
+                    <a:lnB w="12700" cap="flat" cmpd="sng" algn="ctr">
+                      <a:solidFill>
+                        <a:schemeClr val="tx1"/>
+                      </a:solidFill>
+                      <a:prstDash val="solid"/>
+                      <a:round/>
+                      <a:headEnd type="none" w="med" len="med"/>
+                      <a:tailEnd type="none" w="med" len="med"/>
+                    </a:lnB>
+                    <a:lnTlToBr w="12700" cmpd="sng">
+                      <a:noFill/>
+                      <a:prstDash val="solid"/>
+                    </a:lnTlToBr>
+                    <a:lnBlToTr w="12700" cmpd="sng">
+                      <a:noFill/>
+                      <a:prstDash val="solid"/>
+                    </a:lnBlToTr>
+                    <a:solidFill>
+                      <a:schemeClr val="bg1">
+                        <a:lumMod val="65000"/>
+                      </a:schemeClr>
+                    </a:solidFill>
+                  </a:tcPr>
+                </a:tc>
+                <a:tc>
+                  <a:txBody>
+                    <a:bodyPr/>
+                    <a:lstStyle/>
+                    <a:p>
+                      <a:pPr marL="0" marR="0" indent="0" algn="l" defTabSz="914400" rtl="0" eaLnBrk="1" fontAlgn="auto" latinLnBrk="1" hangingPunct="1">
+                        <a:lnSpc>
+                          <a:spcPct val="100000"/>
+                        </a:lnSpc>
+                        <a:spcBef>
+                          <a:spcPts val="0"/>
+                        </a:spcBef>
+                        <a:spcAft>
+                          <a:spcPts val="0"/>
+                        </a:spcAft>
+                        <a:buClrTx/>
+                        <a:buSzTx/>
+                        <a:buFontTx/>
+                        <a:buNone/>
+                        <a:tabLst/>
+                        <a:defRPr/>
+                      </a:pPr>
+                      <a:r>
+                        <a:rPr lang="en-US" altLang="ko-KR" sz="1400" b="0" dirty="0" smtClean="0">
+                          <a:solidFill>
+                            <a:sysClr val="windowText" lastClr="000000"/>
+                          </a:solidFill>
+                        </a:rPr>
+                        <a:t>CS-M-1001</a:t>
+                      </a:r>
+                      <a:endParaRPr lang="ko-KR" altLang="en-US" sz="1400" b="0" dirty="0" smtClean="0">
+                        <a:solidFill>
+                          <a:sysClr val="windowText" lastClr="000000"/>
+                        </a:solidFill>
+                      </a:endParaRPr>
+                    </a:p>
+                  </a:txBody>
+                  <a:tcPr>
+                    <a:lnL w="12700" cap="flat" cmpd="sng" algn="ctr">
+                      <a:solidFill>
+                        <a:schemeClr val="tx1"/>
+                      </a:solidFill>
+                      <a:prstDash val="solid"/>
+                      <a:round/>
+                      <a:headEnd type="none" w="med" len="med"/>
+                      <a:tailEnd type="none" w="med" len="med"/>
+                    </a:lnL>
+                    <a:lnR w="12700" cap="flat" cmpd="sng" algn="ctr">
+                      <a:solidFill>
+                        <a:schemeClr val="tx1"/>
+                      </a:solidFill>
+                      <a:prstDash val="solid"/>
+                      <a:round/>
+                      <a:headEnd type="none" w="med" len="med"/>
+                      <a:tailEnd type="none" w="med" len="med"/>
+                    </a:lnR>
+                    <a:lnT w="12700" cap="flat" cmpd="sng" algn="ctr">
+                      <a:solidFill>
+                        <a:schemeClr val="tx1"/>
+                      </a:solidFill>
+                      <a:prstDash val="solid"/>
+                      <a:round/>
+                      <a:headEnd type="none" w="med" len="med"/>
+                      <a:tailEnd type="none" w="med" len="med"/>
+                    </a:lnT>
+                    <a:lnB w="12700" cap="flat" cmpd="sng" algn="ctr">
+                      <a:solidFill>
+                        <a:schemeClr val="tx1"/>
+                      </a:solidFill>
+                      <a:prstDash val="solid"/>
+                      <a:round/>
+                      <a:headEnd type="none" w="med" len="med"/>
+                      <a:tailEnd type="none" w="med" len="med"/>
+                    </a:lnB>
+                    <a:lnTlToBr w="12700" cmpd="sng">
+                      <a:noFill/>
+                      <a:prstDash val="solid"/>
+                    </a:lnTlToBr>
+                    <a:lnBlToTr w="12700" cmpd="sng">
+                      <a:noFill/>
+                      <a:prstDash val="solid"/>
+                    </a:lnBlToTr>
+                    <a:solidFill>
+                      <a:schemeClr val="bg1"/>
+                    </a:solidFill>
+                  </a:tcPr>
+                </a:tc>
+                <a:extLst>
+                  <a:ext uri="{0D108BD9-81ED-4DB2-BD59-A6C34878D82A}">
+                    <a16:rowId xmlns:a16="http://schemas.microsoft.com/office/drawing/2014/main" val="3219437289"/>
+                  </a:ext>
+                </a:extLst>
+              </a:tr>
+              <a:tr h="428583">
+                <a:tc>
+                  <a:txBody>
+                    <a:bodyPr/>
+                    <a:lstStyle/>
+                    <a:p>
+                      <a:pPr latinLnBrk="1"/>
+                      <a:r>
+                        <a:rPr lang="ko-KR" altLang="en-US" sz="1400" b="0" dirty="0" smtClean="0">
+                          <a:solidFill>
+                            <a:sysClr val="windowText" lastClr="000000"/>
+                          </a:solidFill>
+                        </a:rPr>
+                        <a:t>작성자</a:t>
+                      </a:r>
+                      <a:endParaRPr lang="ko-KR" altLang="en-US" sz="1400" b="0" dirty="0">
+                        <a:solidFill>
+                          <a:sysClr val="windowText" lastClr="000000"/>
+                        </a:solidFill>
+                      </a:endParaRPr>
+                    </a:p>
+                  </a:txBody>
+                  <a:tcPr>
+                    <a:lnL w="12700" cap="flat" cmpd="sng" algn="ctr">
+                      <a:solidFill>
+                        <a:schemeClr val="tx1"/>
+                      </a:solidFill>
+                      <a:prstDash val="solid"/>
+                      <a:round/>
+                      <a:headEnd type="none" w="med" len="med"/>
+                      <a:tailEnd type="none" w="med" len="med"/>
+                    </a:lnL>
+                    <a:lnR w="12700" cap="flat" cmpd="sng" algn="ctr">
+                      <a:solidFill>
+                        <a:schemeClr val="tx1"/>
+                      </a:solidFill>
+                      <a:prstDash val="solid"/>
+                      <a:round/>
+                      <a:headEnd type="none" w="med" len="med"/>
+                      <a:tailEnd type="none" w="med" len="med"/>
+                    </a:lnR>
+                    <a:lnT w="12700" cap="flat" cmpd="sng" algn="ctr">
+                      <a:solidFill>
+                        <a:schemeClr val="tx1"/>
+                      </a:solidFill>
+                      <a:prstDash val="solid"/>
+                      <a:round/>
+                      <a:headEnd type="none" w="med" len="med"/>
+                      <a:tailEnd type="none" w="med" len="med"/>
+                    </a:lnT>
+                    <a:lnB w="12700" cap="flat" cmpd="sng" algn="ctr">
+                      <a:solidFill>
+                        <a:schemeClr val="tx1"/>
+                      </a:solidFill>
+                      <a:prstDash val="solid"/>
+                      <a:round/>
+                      <a:headEnd type="none" w="med" len="med"/>
+                      <a:tailEnd type="none" w="med" len="med"/>
+                    </a:lnB>
+                    <a:lnTlToBr w="12700" cmpd="sng">
+                      <a:noFill/>
+                      <a:prstDash val="solid"/>
+                    </a:lnTlToBr>
+                    <a:lnBlToTr w="12700" cmpd="sng">
+                      <a:noFill/>
+                      <a:prstDash val="solid"/>
+                    </a:lnBlToTr>
+                    <a:solidFill>
+                      <a:schemeClr val="bg1">
+                        <a:lumMod val="65000"/>
+                      </a:schemeClr>
+                    </a:solidFill>
+                  </a:tcPr>
+                </a:tc>
+                <a:tc>
+                  <a:txBody>
+                    <a:bodyPr/>
+                    <a:lstStyle/>
+                    <a:p>
+                      <a:pPr latinLnBrk="1"/>
+                      <a:r>
+                        <a:rPr lang="ko-KR" altLang="en-US" sz="1400" b="0" dirty="0" smtClean="0">
+                          <a:solidFill>
+                            <a:sysClr val="windowText" lastClr="000000"/>
+                          </a:solidFill>
+                        </a:rPr>
+                        <a:t>정재원</a:t>
+                      </a:r>
+                      <a:endParaRPr lang="ko-KR" altLang="en-US" sz="1400" b="0" dirty="0">
+                        <a:solidFill>
+                          <a:sysClr val="windowText" lastClr="000000"/>
+                        </a:solidFill>
+                      </a:endParaRPr>
+                    </a:p>
+                  </a:txBody>
+                  <a:tcPr>
+                    <a:lnL w="12700" cap="flat" cmpd="sng" algn="ctr">
+                      <a:solidFill>
+                        <a:schemeClr val="tx1"/>
+                      </a:solidFill>
+                      <a:prstDash val="solid"/>
+                      <a:round/>
+                      <a:headEnd type="none" w="med" len="med"/>
+                      <a:tailEnd type="none" w="med" len="med"/>
+                    </a:lnL>
+                    <a:lnR w="12700" cap="flat" cmpd="sng" algn="ctr">
+                      <a:solidFill>
+                        <a:schemeClr val="tx1"/>
+                      </a:solidFill>
+                      <a:prstDash val="solid"/>
+                      <a:round/>
+                      <a:headEnd type="none" w="med" len="med"/>
+                      <a:tailEnd type="none" w="med" len="med"/>
+                    </a:lnR>
+                    <a:lnT w="12700" cap="flat" cmpd="sng" algn="ctr">
+                      <a:solidFill>
+                        <a:schemeClr val="tx1"/>
+                      </a:solidFill>
+                      <a:prstDash val="solid"/>
+                      <a:round/>
+                      <a:headEnd type="none" w="med" len="med"/>
+                      <a:tailEnd type="none" w="med" len="med"/>
+                    </a:lnT>
+                    <a:lnB w="12700" cap="flat" cmpd="sng" algn="ctr">
+                      <a:solidFill>
+                        <a:schemeClr val="tx1"/>
+                      </a:solidFill>
+                      <a:prstDash val="solid"/>
+                      <a:round/>
+                      <a:headEnd type="none" w="med" len="med"/>
+                      <a:tailEnd type="none" w="med" len="med"/>
+                    </a:lnB>
+                    <a:lnTlToBr w="12700" cmpd="sng">
+                      <a:noFill/>
+                      <a:prstDash val="solid"/>
+                    </a:lnTlToBr>
+                    <a:lnBlToTr w="12700" cmpd="sng">
+                      <a:noFill/>
+                      <a:prstDash val="solid"/>
+                    </a:lnBlToTr>
+                    <a:solidFill>
+                      <a:schemeClr val="bg1"/>
+                    </a:solidFill>
+                  </a:tcPr>
+                </a:tc>
+                <a:extLst>
+                  <a:ext uri="{0D108BD9-81ED-4DB2-BD59-A6C34878D82A}">
+                    <a16:rowId xmlns:a16="http://schemas.microsoft.com/office/drawing/2014/main" val="3400577217"/>
+                  </a:ext>
+                </a:extLst>
+              </a:tr>
+              <a:tr h="428583">
+                <a:tc>
+                  <a:txBody>
+                    <a:bodyPr/>
+                    <a:lstStyle/>
+                    <a:p>
+                      <a:pPr latinLnBrk="1"/>
+                      <a:r>
+                        <a:rPr lang="ko-KR" altLang="en-US" sz="1400" b="0" dirty="0" smtClean="0">
+                          <a:solidFill>
+                            <a:sysClr val="windowText" lastClr="000000"/>
+                          </a:solidFill>
+                        </a:rPr>
+                        <a:t>작성일</a:t>
+                      </a:r>
+                      <a:endParaRPr lang="ko-KR" altLang="en-US" sz="1400" b="0" dirty="0">
+                        <a:solidFill>
+                          <a:sysClr val="windowText" lastClr="000000"/>
+                        </a:solidFill>
+                      </a:endParaRPr>
+                    </a:p>
+                  </a:txBody>
+                  <a:tcPr>
+                    <a:lnL w="12700" cap="flat" cmpd="sng" algn="ctr">
+                      <a:solidFill>
+                        <a:schemeClr val="tx1"/>
+                      </a:solidFill>
+                      <a:prstDash val="solid"/>
+                      <a:round/>
+                      <a:headEnd type="none" w="med" len="med"/>
+                      <a:tailEnd type="none" w="med" len="med"/>
+                    </a:lnL>
+                    <a:lnR w="12700" cap="flat" cmpd="sng" algn="ctr">
+                      <a:solidFill>
+                        <a:schemeClr val="tx1"/>
+                      </a:solidFill>
+                      <a:prstDash val="solid"/>
+                      <a:round/>
+                      <a:headEnd type="none" w="med" len="med"/>
+                      <a:tailEnd type="none" w="med" len="med"/>
+                    </a:lnR>
+                    <a:lnT w="12700" cap="flat" cmpd="sng" algn="ctr">
+                      <a:solidFill>
+                        <a:schemeClr val="tx1"/>
+                      </a:solidFill>
+                      <a:prstDash val="solid"/>
+                      <a:round/>
+                      <a:headEnd type="none" w="med" len="med"/>
+                      <a:tailEnd type="none" w="med" len="med"/>
+                    </a:lnT>
+                    <a:lnB w="12700" cap="flat" cmpd="sng" algn="ctr">
+                      <a:solidFill>
+                        <a:schemeClr val="tx1"/>
+                      </a:solidFill>
+                      <a:prstDash val="solid"/>
+                      <a:round/>
+                      <a:headEnd type="none" w="med" len="med"/>
+                      <a:tailEnd type="none" w="med" len="med"/>
+                    </a:lnB>
+                    <a:lnTlToBr w="12700" cmpd="sng">
+                      <a:noFill/>
+                      <a:prstDash val="solid"/>
+                    </a:lnTlToBr>
+                    <a:lnBlToTr w="12700" cmpd="sng">
+                      <a:noFill/>
+                      <a:prstDash val="solid"/>
+                    </a:lnBlToTr>
+                    <a:solidFill>
+                      <a:schemeClr val="bg1">
+                        <a:lumMod val="65000"/>
+                      </a:schemeClr>
+                    </a:solidFill>
+                  </a:tcPr>
+                </a:tc>
+                <a:tc>
+                  <a:txBody>
+                    <a:bodyPr/>
+                    <a:lstStyle/>
+                    <a:p>
+                      <a:pPr latinLnBrk="1"/>
+                      <a:r>
+                        <a:rPr lang="en-US" altLang="ko-KR" sz="1400" b="0" dirty="0" smtClean="0">
+                          <a:solidFill>
+                            <a:sysClr val="windowText" lastClr="000000"/>
+                          </a:solidFill>
+                        </a:rPr>
+                        <a:t>2023.04.20</a:t>
+                      </a:r>
+                      <a:endParaRPr lang="ko-KR" altLang="en-US" sz="1400" b="0" dirty="0">
+                        <a:solidFill>
+                          <a:sysClr val="windowText" lastClr="000000"/>
+                        </a:solidFill>
+                      </a:endParaRPr>
+                    </a:p>
+                  </a:txBody>
+                  <a:tcPr>
+                    <a:lnL w="12700" cap="flat" cmpd="sng" algn="ctr">
+                      <a:solidFill>
+                        <a:schemeClr val="tx1"/>
+                      </a:solidFill>
+                      <a:prstDash val="solid"/>
+                      <a:round/>
+                      <a:headEnd type="none" w="med" len="med"/>
+                      <a:tailEnd type="none" w="med" len="med"/>
+                    </a:lnL>
+                    <a:lnR w="12700" cap="flat" cmpd="sng" algn="ctr">
+                      <a:solidFill>
+                        <a:schemeClr val="tx1"/>
+                      </a:solidFill>
+                      <a:prstDash val="solid"/>
+                      <a:round/>
+                      <a:headEnd type="none" w="med" len="med"/>
+                      <a:tailEnd type="none" w="med" len="med"/>
+                    </a:lnR>
+                    <a:lnT w="12700" cap="flat" cmpd="sng" algn="ctr">
+                      <a:solidFill>
+                        <a:schemeClr val="tx1"/>
+                      </a:solidFill>
+                      <a:prstDash val="solid"/>
+                      <a:round/>
+                      <a:headEnd type="none" w="med" len="med"/>
+                      <a:tailEnd type="none" w="med" len="med"/>
+                    </a:lnT>
+                    <a:lnB w="12700" cap="flat" cmpd="sng" algn="ctr">
+                      <a:solidFill>
+                        <a:schemeClr val="tx1"/>
+                      </a:solidFill>
+                      <a:prstDash val="solid"/>
+                      <a:round/>
+                      <a:headEnd type="none" w="med" len="med"/>
+                      <a:tailEnd type="none" w="med" len="med"/>
+                    </a:lnB>
+                    <a:lnTlToBr w="12700" cmpd="sng">
+                      <a:noFill/>
+                      <a:prstDash val="solid"/>
+                    </a:lnTlToBr>
+                    <a:lnBlToTr w="12700" cmpd="sng">
+                      <a:noFill/>
+                      <a:prstDash val="solid"/>
+                    </a:lnBlToTr>
+                    <a:solidFill>
+                      <a:schemeClr val="bg1"/>
+                    </a:solidFill>
+                  </a:tcPr>
+                </a:tc>
+                <a:extLst>
+                  <a:ext uri="{0D108BD9-81ED-4DB2-BD59-A6C34878D82A}">
+                    <a16:rowId xmlns:a16="http://schemas.microsoft.com/office/drawing/2014/main" val="4082661408"/>
+                  </a:ext>
+                </a:extLst>
+              </a:tr>
+              <a:tr h="428583">
+                <a:tc>
+                  <a:txBody>
+                    <a:bodyPr/>
+                    <a:lstStyle/>
+                    <a:p>
+                      <a:pPr latinLnBrk="1"/>
+                      <a:r>
+                        <a:rPr lang="ko-KR" altLang="en-US" sz="1400" b="0" dirty="0" smtClean="0">
+                          <a:solidFill>
+                            <a:sysClr val="windowText" lastClr="000000"/>
+                          </a:solidFill>
+                        </a:rPr>
+                        <a:t>페이지 실행</a:t>
+                      </a:r>
+                      <a:endParaRPr lang="ko-KR" altLang="en-US" sz="1400" b="0" dirty="0">
+                        <a:solidFill>
+                          <a:sysClr val="windowText" lastClr="000000"/>
+                        </a:solidFill>
+                      </a:endParaRPr>
+                    </a:p>
+                  </a:txBody>
+                  <a:tcPr>
+                    <a:lnL w="12700" cap="flat" cmpd="sng" algn="ctr">
+                      <a:solidFill>
+                        <a:schemeClr val="tx1"/>
+                      </a:solidFill>
+                      <a:prstDash val="solid"/>
+                      <a:round/>
+                      <a:headEnd type="none" w="med" len="med"/>
+                      <a:tailEnd type="none" w="med" len="med"/>
+                    </a:lnL>
+                    <a:lnR w="12700" cap="flat" cmpd="sng" algn="ctr">
+                      <a:solidFill>
+                        <a:schemeClr val="tx1"/>
+                      </a:solidFill>
+                      <a:prstDash val="solid"/>
+                      <a:round/>
+                      <a:headEnd type="none" w="med" len="med"/>
+                      <a:tailEnd type="none" w="med" len="med"/>
+                    </a:lnR>
+                    <a:lnT w="12700" cap="flat" cmpd="sng" algn="ctr">
+                      <a:solidFill>
+                        <a:schemeClr val="tx1"/>
+                      </a:solidFill>
+                      <a:prstDash val="solid"/>
+                      <a:round/>
+                      <a:headEnd type="none" w="med" len="med"/>
+                      <a:tailEnd type="none" w="med" len="med"/>
+                    </a:lnT>
+                    <a:lnB w="12700" cap="flat" cmpd="sng" algn="ctr">
+                      <a:solidFill>
+                        <a:schemeClr val="tx1"/>
+                      </a:solidFill>
+                      <a:prstDash val="solid"/>
+                      <a:round/>
+                      <a:headEnd type="none" w="med" len="med"/>
+                      <a:tailEnd type="none" w="med" len="med"/>
+                    </a:lnB>
+                    <a:lnTlToBr w="12700" cmpd="sng">
+                      <a:noFill/>
+                      <a:prstDash val="solid"/>
+                    </a:lnTlToBr>
+                    <a:lnBlToTr w="12700" cmpd="sng">
+                      <a:noFill/>
+                      <a:prstDash val="solid"/>
+                    </a:lnBlToTr>
+                    <a:solidFill>
+                      <a:schemeClr val="bg1">
+                        <a:lumMod val="65000"/>
+                      </a:schemeClr>
+                    </a:solidFill>
+                  </a:tcPr>
+                </a:tc>
+                <a:tc>
+                  <a:txBody>
+                    <a:bodyPr/>
+                    <a:lstStyle/>
+                    <a:p>
+                      <a:pPr latinLnBrk="1"/>
+                      <a:r>
+                        <a:rPr lang="en-US" altLang="ko-KR" sz="1400" b="0" dirty="0" smtClean="0">
+                          <a:solidFill>
+                            <a:sysClr val="windowText" lastClr="000000"/>
+                          </a:solidFill>
+                        </a:rPr>
+                        <a:t>Log</a:t>
+                      </a:r>
+                      <a:r>
+                        <a:rPr lang="en-US" altLang="ko-KR" sz="1400" b="0" baseline="0" dirty="0" smtClean="0">
+                          <a:solidFill>
+                            <a:sysClr val="windowText" lastClr="000000"/>
+                          </a:solidFill>
+                        </a:rPr>
+                        <a:t> in</a:t>
+                      </a:r>
+                      <a:endParaRPr lang="ko-KR" altLang="en-US" sz="1400" b="0" dirty="0">
+                        <a:solidFill>
+                          <a:sysClr val="windowText" lastClr="000000"/>
+                        </a:solidFill>
+                      </a:endParaRPr>
+                    </a:p>
+                  </a:txBody>
+                  <a:tcPr>
+                    <a:lnL w="12700" cap="flat" cmpd="sng" algn="ctr">
+                      <a:solidFill>
+                        <a:schemeClr val="tx1"/>
+                      </a:solidFill>
+                      <a:prstDash val="solid"/>
+                      <a:round/>
+                      <a:headEnd type="none" w="med" len="med"/>
+                      <a:tailEnd type="none" w="med" len="med"/>
+                    </a:lnL>
+                    <a:lnR w="12700" cap="flat" cmpd="sng" algn="ctr">
+                      <a:solidFill>
+                        <a:schemeClr val="tx1"/>
+                      </a:solidFill>
+                      <a:prstDash val="solid"/>
+                      <a:round/>
+                      <a:headEnd type="none" w="med" len="med"/>
+                      <a:tailEnd type="none" w="med" len="med"/>
+                    </a:lnR>
+                    <a:lnT w="12700" cap="flat" cmpd="sng" algn="ctr">
+                      <a:solidFill>
+                        <a:schemeClr val="tx1"/>
+                      </a:solidFill>
+                      <a:prstDash val="solid"/>
+                      <a:round/>
+                      <a:headEnd type="none" w="med" len="med"/>
+                      <a:tailEnd type="none" w="med" len="med"/>
+                    </a:lnT>
+                    <a:lnB w="12700" cap="flat" cmpd="sng" algn="ctr">
+                      <a:solidFill>
+                        <a:schemeClr val="tx1"/>
+                      </a:solidFill>
+                      <a:prstDash val="solid"/>
+                      <a:round/>
+                      <a:headEnd type="none" w="med" len="med"/>
+                      <a:tailEnd type="none" w="med" len="med"/>
+                    </a:lnB>
+                    <a:lnTlToBr w="12700" cmpd="sng">
+                      <a:noFill/>
+                      <a:prstDash val="solid"/>
+                    </a:lnTlToBr>
+                    <a:lnBlToTr w="12700" cmpd="sng">
+                      <a:noFill/>
+                      <a:prstDash val="solid"/>
+                    </a:lnBlToTr>
+                    <a:solidFill>
+                      <a:schemeClr val="bg1"/>
+                    </a:solidFill>
+                  </a:tcPr>
+                </a:tc>
+                <a:extLst>
+                  <a:ext uri="{0D108BD9-81ED-4DB2-BD59-A6C34878D82A}">
+                    <a16:rowId xmlns:a16="http://schemas.microsoft.com/office/drawing/2014/main" val="3231217448"/>
+                  </a:ext>
+                </a:extLst>
+              </a:tr>
+            </a:tbl>
+          </a:graphicData>
+        </a:graphic>
+      </p:graphicFrame>
+      <p:graphicFrame>
+        <p:nvGraphicFramePr>
+          <p:cNvPr id="5" name="표 4"/>
+          <p:cNvGraphicFramePr>
+            <a:graphicFrameLocks noGrp="1"/>
+          </p:cNvGraphicFramePr>
+          <p:nvPr>
+            <p:extLst>
+              <p:ext uri="{D42A27DB-BD31-4B8C-83A1-F6EECF244321}">
+                <p14:modId xmlns:p14="http://schemas.microsoft.com/office/powerpoint/2010/main" val="236318676"/>
+              </p:ext>
+            </p:extLst>
+          </p:nvPr>
+        </p:nvGraphicFramePr>
+        <p:xfrm>
+          <a:off x="8737601" y="2501315"/>
+          <a:ext cx="3314700" cy="3192154"/>
+        </p:xfrm>
+        <a:graphic>
+          <a:graphicData uri="http://schemas.openxmlformats.org/drawingml/2006/table">
+            <a:tbl>
+              <a:tblPr firstRow="1" bandRow="1">
+                <a:tableStyleId>{5C22544A-7EE6-4342-B048-85BDC9FD1C3A}</a:tableStyleId>
+              </a:tblPr>
+              <a:tblGrid>
+                <a:gridCol w="3314700">
+                  <a:extLst>
+                    <a:ext uri="{9D8B030D-6E8A-4147-A177-3AD203B41FA5}">
+                      <a16:colId xmlns:a16="http://schemas.microsoft.com/office/drawing/2014/main" val="624095352"/>
+                    </a:ext>
+                  </a:extLst>
+                </a:gridCol>
+              </a:tblGrid>
+              <a:tr h="424765">
+                <a:tc>
+                  <a:txBody>
+                    <a:bodyPr/>
+                    <a:lstStyle/>
+                    <a:p>
+                      <a:pPr algn="ctr" latinLnBrk="1"/>
+                      <a:r>
+                        <a:rPr lang="ko-KR" altLang="en-US" sz="1400" dirty="0" smtClean="0">
+                          <a:solidFill>
+                            <a:schemeClr val="tx1"/>
+                          </a:solidFill>
+                        </a:rPr>
+                        <a:t>페이지 설명</a:t>
+                      </a:r>
+                      <a:endParaRPr lang="ko-KR" altLang="en-US" sz="1400" dirty="0">
+                        <a:solidFill>
+                          <a:schemeClr val="tx1"/>
+                        </a:solidFill>
+                      </a:endParaRPr>
+                    </a:p>
+                  </a:txBody>
+                  <a:tcPr anchor="ctr">
+                    <a:solidFill>
+                      <a:schemeClr val="bg1">
+                        <a:lumMod val="65000"/>
+                      </a:schemeClr>
+                    </a:solidFill>
+                  </a:tcPr>
+                </a:tc>
+                <a:extLst>
+                  <a:ext uri="{0D108BD9-81ED-4DB2-BD59-A6C34878D82A}">
+                    <a16:rowId xmlns:a16="http://schemas.microsoft.com/office/drawing/2014/main" val="3223088050"/>
+                  </a:ext>
+                </a:extLst>
+              </a:tr>
+              <a:tr h="2767389">
+                <a:tc>
+                  <a:txBody>
+                    <a:bodyPr/>
+                    <a:lstStyle/>
+                    <a:p>
+                      <a:pPr marL="342900" indent="-342900" latinLnBrk="1">
+                        <a:buAutoNum type="arabicPeriod"/>
+                      </a:pPr>
+                      <a:r>
+                        <a:rPr lang="en-US" altLang="ko-KR" sz="1600" b="0" dirty="0" smtClean="0">
+                          <a:solidFill>
+                            <a:schemeClr val="tx1"/>
+                          </a:solidFill>
+                        </a:rPr>
+                        <a:t>ID</a:t>
+                      </a:r>
+                      <a:r>
+                        <a:rPr lang="en-US" altLang="ko-KR" sz="1600" b="0" baseline="0" dirty="0" smtClean="0">
+                          <a:solidFill>
+                            <a:schemeClr val="tx1"/>
+                          </a:solidFill>
+                        </a:rPr>
+                        <a:t>/PW</a:t>
+                      </a:r>
+                      <a:r>
+                        <a:rPr lang="ko-KR" altLang="en-US" sz="1600" b="0" baseline="0" dirty="0" smtClean="0">
+                          <a:solidFill>
+                            <a:schemeClr val="tx1"/>
+                          </a:solidFill>
+                        </a:rPr>
+                        <a:t>입력 후 버튼 </a:t>
+                      </a:r>
+                      <a:r>
+                        <a:rPr lang="ko-KR" altLang="en-US" sz="1600" b="0" baseline="0" dirty="0" err="1" smtClean="0">
+                          <a:solidFill>
+                            <a:schemeClr val="tx1"/>
+                          </a:solidFill>
+                        </a:rPr>
+                        <a:t>클릭시</a:t>
+                      </a:r>
+                      <a:r>
+                        <a:rPr lang="ko-KR" altLang="en-US" sz="1600" b="0" baseline="0" dirty="0" smtClean="0">
+                          <a:solidFill>
+                            <a:schemeClr val="tx1"/>
+                          </a:solidFill>
+                        </a:rPr>
+                        <a:t> 메인 페이지로 이동</a:t>
+                      </a:r>
+                      <a:endParaRPr lang="en-US" altLang="ko-KR" sz="1600" b="0" baseline="0" dirty="0" smtClean="0">
+                        <a:solidFill>
+                          <a:schemeClr val="tx1"/>
+                        </a:solidFill>
+                      </a:endParaRPr>
+                    </a:p>
+                    <a:p>
+                      <a:pPr marL="342900" indent="-342900" latinLnBrk="1">
+                        <a:buAutoNum type="arabicPeriod"/>
+                      </a:pPr>
+                      <a:r>
+                        <a:rPr lang="ko-KR" altLang="en-US" sz="1600" b="0" baseline="0" dirty="0" smtClean="0">
+                          <a:solidFill>
+                            <a:schemeClr val="tx1"/>
+                          </a:solidFill>
+                        </a:rPr>
+                        <a:t>회원 가입 페이지로 이동</a:t>
+                      </a:r>
+                      <a:endParaRPr lang="en-US" altLang="ko-KR" sz="1600" b="0" baseline="0" dirty="0" smtClean="0">
+                        <a:solidFill>
+                          <a:schemeClr val="tx1"/>
+                        </a:solidFill>
+                      </a:endParaRPr>
+                    </a:p>
+                  </a:txBody>
+                  <a:tcPr>
+                    <a:solidFill>
+                      <a:schemeClr val="bg1"/>
+                    </a:solidFill>
+                  </a:tcPr>
+                </a:tc>
+                <a:extLst>
+                  <a:ext uri="{0D108BD9-81ED-4DB2-BD59-A6C34878D82A}">
+                    <a16:rowId xmlns:a16="http://schemas.microsoft.com/office/drawing/2014/main" val="2490414378"/>
+                  </a:ext>
+                </a:extLst>
+              </a:tr>
+            </a:tbl>
+          </a:graphicData>
+        </a:graphic>
+      </p:graphicFrame>
+      <p:pic>
+        <p:nvPicPr>
+          <p:cNvPr id="6" name="그림 5"/>
+          <p:cNvPicPr>
+            <a:picLocks noChangeAspect="1"/>
+          </p:cNvPicPr>
+          <p:nvPr/>
+        </p:nvPicPr>
+        <p:blipFill>
+          <a:blip r:embed="rId2"/>
+          <a:stretch>
+            <a:fillRect/>
+          </a:stretch>
+        </p:blipFill>
+        <p:spPr>
+          <a:xfrm>
+            <a:off x="1729047" y="300566"/>
+            <a:ext cx="6858000" cy="6095048"/>
+          </a:xfrm>
+          <a:prstGeom prst="rect">
+            <a:avLst/>
+          </a:prstGeom>
+        </p:spPr>
+      </p:pic>
+      <p:grpSp>
+        <p:nvGrpSpPr>
+          <p:cNvPr id="9" name="그룹 8"/>
+          <p:cNvGrpSpPr/>
+          <p:nvPr/>
+        </p:nvGrpSpPr>
+        <p:grpSpPr>
+          <a:xfrm>
+            <a:off x="5012395" y="4235335"/>
+            <a:ext cx="521923" cy="536171"/>
+            <a:chOff x="7556269" y="353291"/>
+            <a:chExt cx="565266" cy="536171"/>
+          </a:xfrm>
+        </p:grpSpPr>
+        <p:sp>
+          <p:nvSpPr>
+            <p:cNvPr id="10" name="타원 9"/>
+            <p:cNvSpPr/>
+            <p:nvPr/>
+          </p:nvSpPr>
+          <p:spPr>
+            <a:xfrm>
+              <a:off x="7556269" y="440575"/>
+              <a:ext cx="565266" cy="448887"/>
+            </a:xfrm>
+            <a:prstGeom prst="ellipse">
+              <a:avLst/>
+            </a:prstGeom>
+            <a:noFill/>
+            <a:ln>
+              <a:solidFill>
+                <a:schemeClr val="accent2"/>
+              </a:solidFill>
+            </a:ln>
+          </p:spPr>
+          <p:style>
+            <a:lnRef idx="2">
+              <a:schemeClr val="accent1">
+                <a:shade val="50000"/>
+              </a:schemeClr>
+            </a:lnRef>
+            <a:fillRef idx="1">
+              <a:schemeClr val="accent1"/>
+            </a:fillRef>
+            <a:effectRef idx="0">
+              <a:schemeClr val="accent1"/>
+            </a:effectRef>
+            <a:fontRef idx="minor">
+              <a:schemeClr val="lt1"/>
+            </a:fontRef>
+          </p:style>
+          <p:txBody>
+            <a:bodyPr rtlCol="0" anchor="ctr"/>
+            <a:lstStyle/>
+            <a:p>
+              <a:pPr algn="ctr"/>
+              <a:endParaRPr lang="ko-KR" altLang="en-US"/>
+            </a:p>
+          </p:txBody>
+        </p:sp>
+        <p:sp>
+          <p:nvSpPr>
+            <p:cNvPr id="11" name="순서도: 연결자 10"/>
+            <p:cNvSpPr/>
+            <p:nvPr/>
+          </p:nvSpPr>
+          <p:spPr>
+            <a:xfrm>
+              <a:off x="7938655" y="353291"/>
+              <a:ext cx="182880" cy="174568"/>
+            </a:xfrm>
+            <a:prstGeom prst="flowChartConnector">
+              <a:avLst/>
+            </a:prstGeom>
+            <a:solidFill>
+              <a:schemeClr val="accent4">
+                <a:lumMod val="20000"/>
+                <a:lumOff val="80000"/>
+              </a:schemeClr>
+            </a:solidFill>
+            <a:ln>
+              <a:solidFill>
+                <a:schemeClr val="accent2"/>
+              </a:solidFill>
+            </a:ln>
+          </p:spPr>
+          <p:style>
+            <a:lnRef idx="2">
+              <a:schemeClr val="accent1">
+                <a:shade val="50000"/>
+              </a:schemeClr>
+            </a:lnRef>
+            <a:fillRef idx="1">
+              <a:schemeClr val="accent1"/>
+            </a:fillRef>
+            <a:effectRef idx="0">
+              <a:schemeClr val="accent1"/>
+            </a:effectRef>
+            <a:fontRef idx="minor">
+              <a:schemeClr val="lt1"/>
+            </a:fontRef>
+          </p:style>
+          <p:txBody>
+            <a:bodyPr rtlCol="0" anchor="ctr"/>
+            <a:lstStyle/>
+            <a:p>
+              <a:pPr algn="ctr"/>
+              <a:r>
+                <a:rPr lang="en-US" altLang="ko-KR" sz="1000" b="1" dirty="0" smtClean="0">
+                  <a:solidFill>
+                    <a:schemeClr val="tx1"/>
+                  </a:solidFill>
+                </a:rPr>
+                <a:t>1</a:t>
+              </a:r>
+              <a:endParaRPr lang="ko-KR" altLang="en-US" b="1" dirty="0">
+                <a:solidFill>
+                  <a:schemeClr val="tx1"/>
+                </a:solidFill>
+              </a:endParaRPr>
+            </a:p>
+          </p:txBody>
+        </p:sp>
+      </p:grpSp>
+      <p:grpSp>
+        <p:nvGrpSpPr>
+          <p:cNvPr id="12" name="그룹 11"/>
+          <p:cNvGrpSpPr/>
+          <p:nvPr/>
+        </p:nvGrpSpPr>
+        <p:grpSpPr>
+          <a:xfrm>
+            <a:off x="5012394" y="4590704"/>
+            <a:ext cx="521923" cy="536171"/>
+            <a:chOff x="7556269" y="353291"/>
+            <a:chExt cx="565266" cy="536171"/>
+          </a:xfrm>
+        </p:grpSpPr>
+        <p:sp>
+          <p:nvSpPr>
+            <p:cNvPr id="13" name="타원 12"/>
+            <p:cNvSpPr/>
+            <p:nvPr/>
+          </p:nvSpPr>
+          <p:spPr>
+            <a:xfrm>
+              <a:off x="7556269" y="440575"/>
+              <a:ext cx="565266" cy="448887"/>
+            </a:xfrm>
+            <a:prstGeom prst="ellipse">
+              <a:avLst/>
+            </a:prstGeom>
+            <a:noFill/>
+            <a:ln>
+              <a:solidFill>
+                <a:schemeClr val="accent2"/>
+              </a:solidFill>
+            </a:ln>
+          </p:spPr>
+          <p:style>
+            <a:lnRef idx="2">
+              <a:schemeClr val="accent1">
+                <a:shade val="50000"/>
+              </a:schemeClr>
+            </a:lnRef>
+            <a:fillRef idx="1">
+              <a:schemeClr val="accent1"/>
+            </a:fillRef>
+            <a:effectRef idx="0">
+              <a:schemeClr val="accent1"/>
+            </a:effectRef>
+            <a:fontRef idx="minor">
+              <a:schemeClr val="lt1"/>
+            </a:fontRef>
+          </p:style>
+          <p:txBody>
+            <a:bodyPr rtlCol="0" anchor="ctr"/>
+            <a:lstStyle/>
+            <a:p>
+              <a:pPr algn="ctr"/>
+              <a:endParaRPr lang="ko-KR" altLang="en-US"/>
+            </a:p>
+          </p:txBody>
+        </p:sp>
+        <p:sp>
+          <p:nvSpPr>
+            <p:cNvPr id="14" name="순서도: 연결자 13"/>
+            <p:cNvSpPr/>
+            <p:nvPr/>
+          </p:nvSpPr>
+          <p:spPr>
+            <a:xfrm>
+              <a:off x="7938655" y="353291"/>
+              <a:ext cx="182880" cy="174568"/>
+            </a:xfrm>
+            <a:prstGeom prst="flowChartConnector">
+              <a:avLst/>
+            </a:prstGeom>
+            <a:solidFill>
+              <a:schemeClr val="accent4">
+                <a:lumMod val="20000"/>
+                <a:lumOff val="80000"/>
+              </a:schemeClr>
+            </a:solidFill>
+            <a:ln>
+              <a:solidFill>
+                <a:schemeClr val="accent2"/>
+              </a:solidFill>
+            </a:ln>
+          </p:spPr>
+          <p:style>
+            <a:lnRef idx="2">
+              <a:schemeClr val="accent1">
+                <a:shade val="50000"/>
+              </a:schemeClr>
+            </a:lnRef>
+            <a:fillRef idx="1">
+              <a:schemeClr val="accent1"/>
+            </a:fillRef>
+            <a:effectRef idx="0">
+              <a:schemeClr val="accent1"/>
+            </a:effectRef>
+            <a:fontRef idx="minor">
+              <a:schemeClr val="lt1"/>
+            </a:fontRef>
+          </p:style>
+          <p:txBody>
+            <a:bodyPr rtlCol="0" anchor="ctr"/>
+            <a:lstStyle/>
+            <a:p>
+              <a:pPr algn="ctr"/>
+              <a:r>
+                <a:rPr lang="en-US" altLang="ko-KR" sz="1000" b="1" dirty="0">
+                  <a:solidFill>
+                    <a:schemeClr val="tx1"/>
+                  </a:solidFill>
+                </a:rPr>
+                <a:t>2</a:t>
+              </a:r>
+              <a:endParaRPr lang="ko-KR" altLang="en-US" b="1" dirty="0">
+                <a:solidFill>
+                  <a:schemeClr val="tx1"/>
+                </a:solidFill>
+              </a:endParaRPr>
+            </a:p>
+          </p:txBody>
+        </p:sp>
+      </p:grpSp>
+    </p:spTree>
+    <p:extLst>
+      <p:ext uri="{BB962C8B-B14F-4D97-AF65-F5344CB8AC3E}">
+        <p14:creationId xmlns:p14="http://schemas.microsoft.com/office/powerpoint/2010/main" val="3104591900"/>
       </p:ext>
     </p:extLst>
   </p:cSld>
